--- a/files/Doctoral Stuff/Basic Research.pptx
+++ b/files/Doctoral Stuff/Basic Research.pptx
@@ -599,35 +599,35 @@
           <a:p>
             <a:pPr lvl="0"/>
             <a:r>
-              <a:rPr lang="en-US" noProof="0" smtClean="0"/>
+              <a:rPr lang="en-US" noProof="0"/>
               <a:t>Click to edit Master text styles</a:t>
             </a:r>
           </a:p>
           <a:p>
             <a:pPr lvl="1"/>
             <a:r>
-              <a:rPr lang="en-US" noProof="0" smtClean="0"/>
+              <a:rPr lang="en-US" noProof="0"/>
               <a:t>Second level</a:t>
             </a:r>
           </a:p>
           <a:p>
             <a:pPr lvl="2"/>
             <a:r>
-              <a:rPr lang="en-US" noProof="0" smtClean="0"/>
+              <a:rPr lang="en-US" noProof="0"/>
               <a:t>Third level</a:t>
             </a:r>
           </a:p>
           <a:p>
             <a:pPr lvl="3"/>
             <a:r>
-              <a:rPr lang="en-US" noProof="0" smtClean="0"/>
+              <a:rPr lang="en-US" noProof="0"/>
               <a:t>Fourth level</a:t>
             </a:r>
           </a:p>
           <a:p>
             <a:pPr lvl="4"/>
             <a:r>
-              <a:rPr lang="en-US" noProof="0" smtClean="0"/>
+              <a:rPr lang="en-US" noProof="0"/>
               <a:t>Fifth level</a:t>
             </a:r>
           </a:p>
@@ -1021,7 +1021,7 @@
               <a:pPr/>
               <a:t>1</a:t>
             </a:fld>
-            <a:endParaRPr lang="en-US" smtClean="0"/>
+            <a:endParaRPr lang="en-US"/>
           </a:p>
         </p:txBody>
       </p:sp>
@@ -1077,7 +1077,7 @@
           <a:lstStyle/>
           <a:p>
             <a:pPr eaLnBrk="1" hangingPunct="1"/>
-            <a:endParaRPr lang="en-US" dirty="0" smtClean="0"/>
+            <a:endParaRPr lang="en-US" dirty="0"/>
           </a:p>
         </p:txBody>
       </p:sp>
@@ -1162,7 +1162,7 @@
           <a:bodyPr/>
           <a:lstStyle/>
           <a:p>
-            <a:endParaRPr lang="en-US" dirty="0" smtClean="0"/>
+            <a:endParaRPr lang="en-US" dirty="0"/>
           </a:p>
         </p:txBody>
       </p:sp>
@@ -1305,7 +1305,7 @@
               <a:pPr/>
               <a:t>2</a:t>
             </a:fld>
-            <a:endParaRPr lang="en-US" smtClean="0"/>
+            <a:endParaRPr lang="en-US"/>
           </a:p>
         </p:txBody>
       </p:sp>
@@ -2011,10 +2011,9 @@
           <a:lstStyle/>
           <a:p>
             <a:r>
-              <a:rPr lang="en-US" smtClean="0"/>
+              <a:rPr lang="en-US"/>
               <a:t>Click to edit Master title style</a:t>
             </a:r>
-            <a:endParaRPr lang="en-US"/>
           </a:p>
         </p:txBody>
       </p:sp>
@@ -2035,38 +2034,37 @@
           <a:p>
             <a:pPr lvl="0"/>
             <a:r>
-              <a:rPr lang="en-US" smtClean="0"/>
+              <a:rPr lang="en-US"/>
               <a:t>Click to edit Master text styles</a:t>
             </a:r>
           </a:p>
           <a:p>
             <a:pPr lvl="1"/>
             <a:r>
-              <a:rPr lang="en-US" smtClean="0"/>
+              <a:rPr lang="en-US"/>
               <a:t>Second level</a:t>
             </a:r>
           </a:p>
           <a:p>
             <a:pPr lvl="2"/>
             <a:r>
-              <a:rPr lang="en-US" smtClean="0"/>
+              <a:rPr lang="en-US"/>
               <a:t>Third level</a:t>
             </a:r>
           </a:p>
           <a:p>
             <a:pPr lvl="3"/>
             <a:r>
-              <a:rPr lang="en-US" smtClean="0"/>
+              <a:rPr lang="en-US"/>
               <a:t>Fourth level</a:t>
             </a:r>
           </a:p>
           <a:p>
             <a:pPr lvl="4"/>
             <a:r>
-              <a:rPr lang="en-US" smtClean="0"/>
+              <a:rPr lang="en-US"/>
               <a:t>Fifth level</a:t>
             </a:r>
-            <a:endParaRPr lang="en-US"/>
           </a:p>
         </p:txBody>
       </p:sp>
@@ -2212,10 +2210,9 @@
           <a:lstStyle/>
           <a:p>
             <a:r>
-              <a:rPr lang="en-US" smtClean="0"/>
+              <a:rPr lang="en-US"/>
               <a:t>Click to edit Master title style</a:t>
             </a:r>
-            <a:endParaRPr lang="en-US"/>
           </a:p>
         </p:txBody>
       </p:sp>
@@ -2241,38 +2238,37 @@
           <a:p>
             <a:pPr lvl="0"/>
             <a:r>
-              <a:rPr lang="en-US" smtClean="0"/>
+              <a:rPr lang="en-US"/>
               <a:t>Click to edit Master text styles</a:t>
             </a:r>
           </a:p>
           <a:p>
             <a:pPr lvl="1"/>
             <a:r>
-              <a:rPr lang="en-US" smtClean="0"/>
+              <a:rPr lang="en-US"/>
               <a:t>Second level</a:t>
             </a:r>
           </a:p>
           <a:p>
             <a:pPr lvl="2"/>
             <a:r>
-              <a:rPr lang="en-US" smtClean="0"/>
+              <a:rPr lang="en-US"/>
               <a:t>Third level</a:t>
             </a:r>
           </a:p>
           <a:p>
             <a:pPr lvl="3"/>
             <a:r>
-              <a:rPr lang="en-US" smtClean="0"/>
+              <a:rPr lang="en-US"/>
               <a:t>Fourth level</a:t>
             </a:r>
           </a:p>
           <a:p>
             <a:pPr lvl="4"/>
             <a:r>
-              <a:rPr lang="en-US" smtClean="0"/>
+              <a:rPr lang="en-US"/>
               <a:t>Fifth level</a:t>
             </a:r>
-            <a:endParaRPr lang="en-US"/>
           </a:p>
         </p:txBody>
       </p:sp>
@@ -2413,10 +2409,9 @@
           <a:lstStyle/>
           <a:p>
             <a:r>
-              <a:rPr lang="en-US" smtClean="0"/>
+              <a:rPr lang="en-US"/>
               <a:t>Click to edit Master title style</a:t>
             </a:r>
-            <a:endParaRPr lang="en-US"/>
           </a:p>
         </p:txBody>
       </p:sp>
@@ -2437,38 +2432,37 @@
           <a:p>
             <a:pPr lvl="0"/>
             <a:r>
-              <a:rPr lang="en-US" smtClean="0"/>
+              <a:rPr lang="en-US"/>
               <a:t>Click to edit Master text styles</a:t>
             </a:r>
           </a:p>
           <a:p>
             <a:pPr lvl="1"/>
             <a:r>
-              <a:rPr lang="en-US" smtClean="0"/>
+              <a:rPr lang="en-US"/>
               <a:t>Second level</a:t>
             </a:r>
           </a:p>
           <a:p>
             <a:pPr lvl="2"/>
             <a:r>
-              <a:rPr lang="en-US" smtClean="0"/>
+              <a:rPr lang="en-US"/>
               <a:t>Third level</a:t>
             </a:r>
           </a:p>
           <a:p>
             <a:pPr lvl="3"/>
             <a:r>
-              <a:rPr lang="en-US" smtClean="0"/>
+              <a:rPr lang="en-US"/>
               <a:t>Fourth level</a:t>
             </a:r>
           </a:p>
           <a:p>
             <a:pPr lvl="4"/>
             <a:r>
-              <a:rPr lang="en-US" smtClean="0"/>
+              <a:rPr lang="en-US"/>
               <a:t>Fifth level</a:t>
             </a:r>
-            <a:endParaRPr lang="en-US"/>
           </a:p>
         </p:txBody>
       </p:sp>
@@ -2618,10 +2612,9 @@
           </a:lstStyle>
           <a:p>
             <a:r>
-              <a:rPr lang="en-US" smtClean="0"/>
+              <a:rPr lang="en-US"/>
               <a:t>Click to edit Master title style</a:t>
             </a:r>
-            <a:endParaRPr lang="en-US"/>
           </a:p>
         </p:txBody>
       </p:sp>
@@ -2684,7 +2677,7 @@
           <a:p>
             <a:pPr lvl="0"/>
             <a:r>
-              <a:rPr lang="en-US" smtClean="0"/>
+              <a:rPr lang="en-US"/>
               <a:t>Click to edit Master text styles</a:t>
             </a:r>
           </a:p>
@@ -2827,10 +2820,9 @@
           <a:lstStyle/>
           <a:p>
             <a:r>
-              <a:rPr lang="en-US" smtClean="0"/>
+              <a:rPr lang="en-US"/>
               <a:t>Click to edit Master title style</a:t>
             </a:r>
-            <a:endParaRPr lang="en-US"/>
           </a:p>
         </p:txBody>
       </p:sp>
@@ -2884,38 +2876,37 @@
           <a:p>
             <a:pPr lvl="0"/>
             <a:r>
-              <a:rPr lang="en-US" smtClean="0"/>
+              <a:rPr lang="en-US"/>
               <a:t>Click to edit Master text styles</a:t>
             </a:r>
           </a:p>
           <a:p>
             <a:pPr lvl="1"/>
             <a:r>
-              <a:rPr lang="en-US" smtClean="0"/>
+              <a:rPr lang="en-US"/>
               <a:t>Second level</a:t>
             </a:r>
           </a:p>
           <a:p>
             <a:pPr lvl="2"/>
             <a:r>
-              <a:rPr lang="en-US" smtClean="0"/>
+              <a:rPr lang="en-US"/>
               <a:t>Third level</a:t>
             </a:r>
           </a:p>
           <a:p>
             <a:pPr lvl="3"/>
             <a:r>
-              <a:rPr lang="en-US" smtClean="0"/>
+              <a:rPr lang="en-US"/>
               <a:t>Fourth level</a:t>
             </a:r>
           </a:p>
           <a:p>
             <a:pPr lvl="4"/>
             <a:r>
-              <a:rPr lang="en-US" smtClean="0"/>
+              <a:rPr lang="en-US"/>
               <a:t>Fifth level</a:t>
             </a:r>
-            <a:endParaRPr lang="en-US"/>
           </a:p>
         </p:txBody>
       </p:sp>
@@ -2969,38 +2960,37 @@
           <a:p>
             <a:pPr lvl="0"/>
             <a:r>
-              <a:rPr lang="en-US" smtClean="0"/>
+              <a:rPr lang="en-US"/>
               <a:t>Click to edit Master text styles</a:t>
             </a:r>
           </a:p>
           <a:p>
             <a:pPr lvl="1"/>
             <a:r>
-              <a:rPr lang="en-US" smtClean="0"/>
+              <a:rPr lang="en-US"/>
               <a:t>Second level</a:t>
             </a:r>
           </a:p>
           <a:p>
             <a:pPr lvl="2"/>
             <a:r>
-              <a:rPr lang="en-US" smtClean="0"/>
+              <a:rPr lang="en-US"/>
               <a:t>Third level</a:t>
             </a:r>
           </a:p>
           <a:p>
             <a:pPr lvl="3"/>
             <a:r>
-              <a:rPr lang="en-US" smtClean="0"/>
+              <a:rPr lang="en-US"/>
               <a:t>Fourth level</a:t>
             </a:r>
           </a:p>
           <a:p>
             <a:pPr lvl="4"/>
             <a:r>
-              <a:rPr lang="en-US" smtClean="0"/>
+              <a:rPr lang="en-US"/>
               <a:t>Fifth level</a:t>
             </a:r>
-            <a:endParaRPr lang="en-US"/>
           </a:p>
         </p:txBody>
       </p:sp>
@@ -3150,10 +3140,9 @@
           </a:lstStyle>
           <a:p>
             <a:r>
-              <a:rPr lang="en-US" smtClean="0"/>
+              <a:rPr lang="en-US"/>
               <a:t>Click to edit Master title style</a:t>
             </a:r>
-            <a:endParaRPr lang="en-US"/>
           </a:p>
         </p:txBody>
       </p:sp>
@@ -3216,7 +3205,7 @@
           <a:p>
             <a:pPr lvl="0"/>
             <a:r>
-              <a:rPr lang="en-US" smtClean="0"/>
+              <a:rPr lang="en-US"/>
               <a:t>Click to edit Master text styles</a:t>
             </a:r>
           </a:p>
@@ -3272,38 +3261,37 @@
           <a:p>
             <a:pPr lvl="0"/>
             <a:r>
-              <a:rPr lang="en-US" smtClean="0"/>
+              <a:rPr lang="en-US"/>
               <a:t>Click to edit Master text styles</a:t>
             </a:r>
           </a:p>
           <a:p>
             <a:pPr lvl="1"/>
             <a:r>
-              <a:rPr lang="en-US" smtClean="0"/>
+              <a:rPr lang="en-US"/>
               <a:t>Second level</a:t>
             </a:r>
           </a:p>
           <a:p>
             <a:pPr lvl="2"/>
             <a:r>
-              <a:rPr lang="en-US" smtClean="0"/>
+              <a:rPr lang="en-US"/>
               <a:t>Third level</a:t>
             </a:r>
           </a:p>
           <a:p>
             <a:pPr lvl="3"/>
             <a:r>
-              <a:rPr lang="en-US" smtClean="0"/>
+              <a:rPr lang="en-US"/>
               <a:t>Fourth level</a:t>
             </a:r>
           </a:p>
           <a:p>
             <a:pPr lvl="4"/>
             <a:r>
-              <a:rPr lang="en-US" smtClean="0"/>
+              <a:rPr lang="en-US"/>
               <a:t>Fifth level</a:t>
             </a:r>
-            <a:endParaRPr lang="en-US"/>
           </a:p>
         </p:txBody>
       </p:sp>
@@ -3366,7 +3354,7 @@
           <a:p>
             <a:pPr lvl="0"/>
             <a:r>
-              <a:rPr lang="en-US" smtClean="0"/>
+              <a:rPr lang="en-US"/>
               <a:t>Click to edit Master text styles</a:t>
             </a:r>
           </a:p>
@@ -3422,38 +3410,37 @@
           <a:p>
             <a:pPr lvl="0"/>
             <a:r>
-              <a:rPr lang="en-US" smtClean="0"/>
+              <a:rPr lang="en-US"/>
               <a:t>Click to edit Master text styles</a:t>
             </a:r>
           </a:p>
           <a:p>
             <a:pPr lvl="1"/>
             <a:r>
-              <a:rPr lang="en-US" smtClean="0"/>
+              <a:rPr lang="en-US"/>
               <a:t>Second level</a:t>
             </a:r>
           </a:p>
           <a:p>
             <a:pPr lvl="2"/>
             <a:r>
-              <a:rPr lang="en-US" smtClean="0"/>
+              <a:rPr lang="en-US"/>
               <a:t>Third level</a:t>
             </a:r>
           </a:p>
           <a:p>
             <a:pPr lvl="3"/>
             <a:r>
-              <a:rPr lang="en-US" smtClean="0"/>
+              <a:rPr lang="en-US"/>
               <a:t>Fourth level</a:t>
             </a:r>
           </a:p>
           <a:p>
             <a:pPr lvl="4"/>
             <a:r>
-              <a:rPr lang="en-US" smtClean="0"/>
+              <a:rPr lang="en-US"/>
               <a:t>Fifth level</a:t>
             </a:r>
-            <a:endParaRPr lang="en-US"/>
           </a:p>
         </p:txBody>
       </p:sp>
@@ -3594,10 +3581,9 @@
           <a:lstStyle/>
           <a:p>
             <a:r>
-              <a:rPr lang="en-US" smtClean="0"/>
+              <a:rPr lang="en-US"/>
               <a:t>Click to edit Master title style</a:t>
             </a:r>
-            <a:endParaRPr lang="en-US"/>
           </a:p>
         </p:txBody>
       </p:sp>
@@ -3868,10 +3854,9 @@
           </a:lstStyle>
           <a:p>
             <a:r>
-              <a:rPr lang="en-US" smtClean="0"/>
+              <a:rPr lang="en-US"/>
               <a:t>Click to edit Master title style</a:t>
             </a:r>
-            <a:endParaRPr lang="en-US"/>
           </a:p>
         </p:txBody>
       </p:sp>
@@ -3925,38 +3910,37 @@
           <a:p>
             <a:pPr lvl="0"/>
             <a:r>
-              <a:rPr lang="en-US" smtClean="0"/>
+              <a:rPr lang="en-US"/>
               <a:t>Click to edit Master text styles</a:t>
             </a:r>
           </a:p>
           <a:p>
             <a:pPr lvl="1"/>
             <a:r>
-              <a:rPr lang="en-US" smtClean="0"/>
+              <a:rPr lang="en-US"/>
               <a:t>Second level</a:t>
             </a:r>
           </a:p>
           <a:p>
             <a:pPr lvl="2"/>
             <a:r>
-              <a:rPr lang="en-US" smtClean="0"/>
+              <a:rPr lang="en-US"/>
               <a:t>Third level</a:t>
             </a:r>
           </a:p>
           <a:p>
             <a:pPr lvl="3"/>
             <a:r>
-              <a:rPr lang="en-US" smtClean="0"/>
+              <a:rPr lang="en-US"/>
               <a:t>Fourth level</a:t>
             </a:r>
           </a:p>
           <a:p>
             <a:pPr lvl="4"/>
             <a:r>
-              <a:rPr lang="en-US" smtClean="0"/>
+              <a:rPr lang="en-US"/>
               <a:t>Fifth level</a:t>
             </a:r>
-            <a:endParaRPr lang="en-US"/>
           </a:p>
         </p:txBody>
       </p:sp>
@@ -4019,7 +4003,7 @@
           <a:p>
             <a:pPr lvl="0"/>
             <a:r>
-              <a:rPr lang="en-US" smtClean="0"/>
+              <a:rPr lang="en-US"/>
               <a:t>Click to edit Master text styles</a:t>
             </a:r>
           </a:p>
@@ -4171,10 +4155,9 @@
           </a:lstStyle>
           <a:p>
             <a:r>
-              <a:rPr lang="en-US" smtClean="0"/>
+              <a:rPr lang="en-US"/>
               <a:t>Click to edit Master title style</a:t>
             </a:r>
-            <a:endParaRPr lang="en-US"/>
           </a:p>
         </p:txBody>
       </p:sp>
@@ -4236,7 +4219,7 @@
           </a:lstStyle>
           <a:p>
             <a:pPr lvl="0"/>
-            <a:endParaRPr lang="en-US" noProof="0" smtClean="0"/>
+            <a:endParaRPr lang="en-US" noProof="0"/>
           </a:p>
         </p:txBody>
       </p:sp>
@@ -4299,7 +4282,7 @@
           <a:p>
             <a:pPr lvl="0"/>
             <a:r>
-              <a:rPr lang="en-US" smtClean="0"/>
+              <a:rPr lang="en-US"/>
               <a:t>Click to edit Master text styles</a:t>
             </a:r>
           </a:p>
@@ -5029,7 +5012,7 @@
           <a:p>
             <a:pPr lvl="0"/>
             <a:r>
-              <a:rPr lang="en-US" smtClean="0"/>
+              <a:rPr lang="en-US"/>
               <a:t>Click to edit Master title style</a:t>
             </a:r>
           </a:p>
@@ -5087,35 +5070,35 @@
           <a:p>
             <a:pPr lvl="0"/>
             <a:r>
-              <a:rPr lang="en-US" smtClean="0"/>
+              <a:rPr lang="en-US"/>
               <a:t>Click to edit Master text styles</a:t>
             </a:r>
           </a:p>
           <a:p>
             <a:pPr lvl="1"/>
             <a:r>
-              <a:rPr lang="en-US" smtClean="0"/>
+              <a:rPr lang="en-US"/>
               <a:t>Second level</a:t>
             </a:r>
           </a:p>
           <a:p>
             <a:pPr lvl="2"/>
             <a:r>
-              <a:rPr lang="en-US" smtClean="0"/>
+              <a:rPr lang="en-US"/>
               <a:t>Third level</a:t>
             </a:r>
           </a:p>
           <a:p>
             <a:pPr lvl="3"/>
             <a:r>
-              <a:rPr lang="en-US" smtClean="0"/>
+              <a:rPr lang="en-US"/>
               <a:t>Fourth level</a:t>
             </a:r>
           </a:p>
           <a:p>
             <a:pPr lvl="4"/>
             <a:r>
-              <a:rPr lang="en-US" smtClean="0"/>
+              <a:rPr lang="en-US"/>
               <a:t>Fifth level</a:t>
             </a:r>
           </a:p>
@@ -5795,17 +5778,16 @@
           <a:p>
             <a:pPr algn="ctr" eaLnBrk="1" hangingPunct="1"/>
             <a:r>
-              <a:rPr lang="en-US" sz="4400" dirty="0" smtClean="0"/>
+              <a:rPr lang="en-US" sz="4400" dirty="0"/>
               <a:t>Program of Studies</a:t>
             </a:r>
             <a:br>
-              <a:rPr lang="en-US" sz="4400" dirty="0" smtClean="0"/>
+              <a:rPr lang="en-US" sz="4400" dirty="0"/>
             </a:br>
             <a:r>
-              <a:rPr lang="en-US" sz="4400" dirty="0" smtClean="0"/>
+              <a:rPr lang="en-US" sz="4400" dirty="0"/>
               <a:t>Meeting: Research Intro</a:t>
             </a:r>
-            <a:endParaRPr lang="en-US" sz="4400" dirty="0" smtClean="0"/>
           </a:p>
         </p:txBody>
       </p:sp>
@@ -5835,10 +5817,10 @@
               </a:lnSpc>
             </a:pPr>
             <a:r>
-              <a:rPr lang="en-US" sz="2800" b="1" dirty="0" smtClean="0"/>
+              <a:rPr lang="en-US" sz="2800" b="1" dirty="0"/>
               <a:t>Ricardo Jacome</a:t>
             </a:r>
-            <a:endParaRPr lang="en-US" sz="2400" dirty="0" smtClean="0"/>
+            <a:endParaRPr lang="en-US" sz="2400" dirty="0"/>
           </a:p>
           <a:p>
             <a:pPr eaLnBrk="1" hangingPunct="1">
@@ -5847,7 +5829,7 @@
               </a:lnSpc>
             </a:pPr>
             <a:r>
-              <a:rPr lang="en-US" sz="2400" dirty="0" smtClean="0"/>
+              <a:rPr lang="en-US" sz="2400" dirty="0"/>
               <a:t>Midwest Roadside Safety Facility </a:t>
             </a:r>
           </a:p>
@@ -5858,7 +5840,7 @@
               </a:lnSpc>
             </a:pPr>
             <a:r>
-              <a:rPr lang="en-US" sz="2400" dirty="0" smtClean="0"/>
+              <a:rPr lang="en-US" sz="2400" dirty="0"/>
               <a:t>University of Nebraska-Lincoln</a:t>
             </a:r>
           </a:p>
@@ -5868,7 +5850,7 @@
                 <a:spcPct val="80000"/>
               </a:lnSpc>
             </a:pPr>
-            <a:endParaRPr lang="en-US" sz="2400" dirty="0" smtClean="0"/>
+            <a:endParaRPr lang="en-US" sz="2400" dirty="0"/>
           </a:p>
           <a:p>
             <a:pPr eaLnBrk="1" hangingPunct="1">
@@ -5877,14 +5859,9 @@
               </a:lnSpc>
             </a:pPr>
             <a:r>
-              <a:rPr lang="en-US" sz="2400" dirty="0" smtClean="0"/>
-              <a:t>03</a:t>
-            </a:r>
-            <a:r>
-              <a:rPr lang="en-US" sz="2400" dirty="0" smtClean="0"/>
-              <a:t>/13/2020</a:t>
-            </a:r>
-            <a:endParaRPr lang="en-US" sz="2400" dirty="0" smtClean="0"/>
+              <a:rPr lang="en-US" sz="2400" dirty="0"/>
+              <a:t>03/13/2020</a:t>
+            </a:r>
           </a:p>
           <a:p>
             <a:pPr eaLnBrk="1" hangingPunct="1">
@@ -5892,7 +5869,7 @@
                 <a:spcPct val="80000"/>
               </a:lnSpc>
             </a:pPr>
-            <a:endParaRPr lang="en-US" sz="2800" dirty="0" smtClean="0"/>
+            <a:endParaRPr lang="en-US" sz="2800" dirty="0"/>
           </a:p>
         </p:txBody>
       </p:sp>
@@ -5995,13 +5972,6 @@
     <a:masterClrMapping/>
   </p:clrMapOvr>
   <p:transition/>
-  <p:timing>
-    <p:tnLst>
-      <p:par>
-        <p:cTn id="1" dur="indefinite" restart="never" nodeType="tmRoot"/>
-      </p:par>
-    </p:tnLst>
-  </p:timing>
 </p:sld>
 </file>
 
@@ -6044,10 +6014,9 @@
           <a:p>
             <a:pPr eaLnBrk="1" hangingPunct="1"/>
             <a:r>
-              <a:rPr lang="en-US" sz="4000" dirty="0" smtClean="0"/>
+              <a:rPr lang="en-US" sz="4000" dirty="0"/>
               <a:t>Research Overview</a:t>
             </a:r>
-            <a:endParaRPr lang="en-US" sz="4000" dirty="0" smtClean="0"/>
           </a:p>
         </p:txBody>
       </p:sp>
@@ -6073,53 +6042,44 @@
           <a:p>
             <a:pPr eaLnBrk="1" hangingPunct="1"/>
             <a:r>
-              <a:rPr lang="en-US" dirty="0" smtClean="0"/>
+              <a:rPr lang="en-US" dirty="0"/>
               <a:t>On Road Coordinate Decomposition for Autonomous Vehicle (AV) Guidance</a:t>
             </a:r>
           </a:p>
           <a:p>
             <a:pPr lvl="1" eaLnBrk="1" hangingPunct="1"/>
             <a:r>
-              <a:rPr lang="en-US" dirty="0" smtClean="0"/>
+              <a:rPr lang="en-US" dirty="0"/>
               <a:t>Main Motivation:</a:t>
             </a:r>
           </a:p>
           <a:p>
             <a:pPr lvl="2" eaLnBrk="1" hangingPunct="1"/>
             <a:r>
-              <a:rPr lang="en-US" dirty="0" smtClean="0"/>
-              <a:t>AV systems d</a:t>
-            </a:r>
-            <a:r>
-              <a:rPr lang="en-US" dirty="0" smtClean="0"/>
-              <a:t>epend entirely on sensors for navigation</a:t>
+              <a:rPr lang="en-US" dirty="0"/>
+              <a:t>AV systems depend entirely on sensors for navigation</a:t>
             </a:r>
           </a:p>
           <a:p>
             <a:pPr lvl="2" eaLnBrk="1" hangingPunct="1"/>
             <a:r>
-              <a:rPr lang="en-US" dirty="0" smtClean="0"/>
+              <a:rPr lang="en-US" dirty="0"/>
               <a:t>There is a need to find alternative solutions for this problem</a:t>
             </a:r>
           </a:p>
           <a:p>
             <a:pPr lvl="1" eaLnBrk="1" hangingPunct="1"/>
             <a:r>
-              <a:rPr lang="en-US" dirty="0" smtClean="0"/>
+              <a:rPr lang="en-US" dirty="0"/>
               <a:t>General Objective: </a:t>
             </a:r>
           </a:p>
           <a:p>
             <a:pPr lvl="2" eaLnBrk="1" hangingPunct="1"/>
             <a:r>
-              <a:rPr lang="en-US" dirty="0" smtClean="0"/>
-              <a:t>Provide a road profile for AVs to navigate on a road, independent of vehicle sensors</a:t>
-            </a:r>
-            <a:r>
-              <a:rPr lang="en-US" dirty="0" smtClean="0"/>
-              <a:t> </a:t>
-            </a:r>
-            <a:endParaRPr lang="en-US" dirty="0"/>
+              <a:rPr lang="en-US" dirty="0"/>
+              <a:t>Provide a road profile for AVs to navigate on a road, independent of vehicle sensors </a:t>
+            </a:r>
           </a:p>
         </p:txBody>
       </p:sp>
@@ -6157,13 +6117,6 @@
   <p:clrMapOvr>
     <a:masterClrMapping/>
   </p:clrMapOvr>
-  <p:timing>
-    <p:tnLst>
-      <p:par>
-        <p:cTn id="1" dur="indefinite" restart="never" nodeType="tmRoot"/>
-      </p:par>
-    </p:tnLst>
-  </p:timing>
 </p:sld>
 </file>
 
@@ -6200,10 +6153,9 @@
           <a:lstStyle/>
           <a:p>
             <a:r>
-              <a:rPr lang="en-US" dirty="0" smtClean="0"/>
+              <a:rPr lang="en-US" dirty="0"/>
               <a:t>Previous Work</a:t>
             </a:r>
-            <a:endParaRPr lang="en-US" dirty="0"/>
           </a:p>
         </p:txBody>
       </p:sp>
@@ -6228,48 +6180,48 @@
           <a:lstStyle/>
           <a:p>
             <a:r>
-              <a:rPr lang="en-US" dirty="0" smtClean="0"/>
+              <a:rPr lang="en-US" dirty="0"/>
               <a:t>Phase I: Literature Review + ABS Testing </a:t>
             </a:r>
           </a:p>
           <a:p>
             <a:pPr lvl="1"/>
             <a:r>
-              <a:rPr lang="en-US" dirty="0" smtClean="0"/>
+              <a:rPr lang="en-US" dirty="0"/>
               <a:t>Investigation on current AV technology</a:t>
             </a:r>
           </a:p>
           <a:p>
             <a:pPr lvl="1"/>
             <a:r>
-              <a:rPr lang="en-US" dirty="0" smtClean="0"/>
+              <a:rPr lang="en-US" dirty="0"/>
               <a:t> Evaluation of ABS performance testing</a:t>
             </a:r>
           </a:p>
           <a:p>
             <a:pPr lvl="2"/>
             <a:r>
-              <a:rPr lang="en-US" dirty="0" smtClean="0"/>
+              <a:rPr lang="en-US" dirty="0"/>
               <a:t>Emergency capacity of a vehicle</a:t>
             </a:r>
           </a:p>
           <a:p>
             <a:r>
-              <a:rPr lang="en-US" dirty="0" smtClean="0"/>
+              <a:rPr lang="en-US" dirty="0"/>
               <a:t>Phase II: Road Profile Generation Framework</a:t>
             </a:r>
           </a:p>
           <a:p>
             <a:pPr lvl="1"/>
             <a:r>
-              <a:rPr lang="en-US" dirty="0" smtClean="0"/>
+              <a:rPr lang="en-US" dirty="0"/>
               <a:t>How to formulate road profiles</a:t>
             </a:r>
           </a:p>
           <a:p>
             <a:pPr lvl="1"/>
             <a:r>
-              <a:rPr lang="en-US" dirty="0" smtClean="0"/>
+              <a:rPr lang="en-US" dirty="0"/>
               <a:t>How to implement with current infrastructure</a:t>
             </a:r>
           </a:p>
@@ -6359,10 +6311,9 @@
           <a:lstStyle/>
           <a:p>
             <a:r>
-              <a:rPr lang="en-US" dirty="0" smtClean="0"/>
+              <a:rPr lang="en-US" dirty="0"/>
               <a:t>Create a Figure of the same, with arrows.</a:t>
             </a:r>
-            <a:endParaRPr lang="en-US" dirty="0"/>
           </a:p>
         </p:txBody>
       </p:sp>
@@ -6397,13 +6348,17 @@
       </p:sp>
       <p:pic>
         <p:nvPicPr>
-          <p:cNvPr id="5" name="Content Placeholder 4"/>
+          <p:cNvPr id="3" name="Picture 2">
+            <a:extLst>
+              <a:ext uri="{FF2B5EF4-FFF2-40B4-BE49-F238E27FC236}">
+                <a16:creationId xmlns:a16="http://schemas.microsoft.com/office/drawing/2014/main" id="{81017F67-AE60-4440-98B2-36D48B88C3B5}"/>
+              </a:ext>
+            </a:extLst>
+          </p:cNvPr>
           <p:cNvPicPr>
-            <a:picLocks noGrp="1"/>
+            <a:picLocks noChangeAspect="1"/>
           </p:cNvPicPr>
-          <p:nvPr>
-            <p:ph idx="1"/>
-          </p:nvPr>
+          <p:nvPr/>
         </p:nvPicPr>
         <p:blipFill>
           <a:blip r:embed="rId2"/>
@@ -6413,8 +6368,8 @@
         </p:blipFill>
         <p:spPr>
           <a:xfrm>
-            <a:off x="457200" y="1881186"/>
-            <a:ext cx="4545106" cy="3954837"/>
+            <a:off x="2148348" y="2126226"/>
+            <a:ext cx="4847303" cy="4122174"/>
           </a:xfrm>
           <a:prstGeom prst="rect">
             <a:avLst/>
@@ -6467,10 +6422,9 @@
           <a:lstStyle/>
           <a:p>
             <a:r>
-              <a:rPr lang="en-US" dirty="0" smtClean="0"/>
+              <a:rPr lang="en-US" dirty="0"/>
               <a:t>Road Profile with Infrastructure</a:t>
             </a:r>
-            <a:endParaRPr lang="en-US" dirty="0"/>
           </a:p>
         </p:txBody>
       </p:sp>
@@ -6571,10 +6525,9 @@
           <a:lstStyle/>
           <a:p>
             <a:r>
-              <a:rPr lang="en-US" dirty="0" smtClean="0"/>
+              <a:rPr lang="en-US" dirty="0"/>
               <a:t>Previous Work Documents</a:t>
             </a:r>
-            <a:endParaRPr lang="en-US" dirty="0"/>
           </a:p>
         </p:txBody>
       </p:sp>
@@ -6623,19 +6576,19 @@
           <a:lstStyle/>
           <a:p>
             <a:r>
-              <a:rPr lang="en-US" dirty="0" smtClean="0"/>
+              <a:rPr lang="en-US" dirty="0"/>
               <a:t>MATC Year 1 Report</a:t>
             </a:r>
           </a:p>
           <a:p>
             <a:r>
-              <a:rPr lang="en-US" dirty="0" smtClean="0"/>
+              <a:rPr lang="en-US" dirty="0"/>
               <a:t>MATC Year 2 Report</a:t>
             </a:r>
           </a:p>
           <a:p>
             <a:r>
-              <a:rPr lang="en-US" dirty="0" smtClean="0"/>
+              <a:rPr lang="en-US" dirty="0"/>
               <a:t>SAE Publication</a:t>
             </a:r>
           </a:p>
@@ -6690,10 +6643,9 @@
           <a:lstStyle/>
           <a:p>
             <a:r>
-              <a:rPr lang="en-US" dirty="0" smtClean="0"/>
+              <a:rPr lang="en-US" dirty="0"/>
               <a:t>Current Work </a:t>
             </a:r>
-            <a:endParaRPr lang="en-US" dirty="0"/>
           </a:p>
         </p:txBody>
       </p:sp>
@@ -6718,27 +6670,27 @@
           <a:lstStyle/>
           <a:p>
             <a:r>
-              <a:rPr lang="en-US" dirty="0" smtClean="0"/>
+              <a:rPr lang="en-US" dirty="0"/>
               <a:t>ABS Acceleration Data, New Filtering Method Developed (Should I??????)</a:t>
             </a:r>
           </a:p>
           <a:p>
             <a:r>
-              <a:rPr lang="en-US" dirty="0" smtClean="0"/>
+              <a:rPr lang="en-US" dirty="0"/>
               <a:t>Optimization Method for Road Profile</a:t>
             </a:r>
           </a:p>
           <a:p>
             <a:pPr lvl="1"/>
             <a:r>
-              <a:rPr lang="en-US" dirty="0" smtClean="0"/>
+              <a:rPr lang="en-US" dirty="0"/>
               <a:t>Selection of the best trajectory dependent on certain parameters</a:t>
             </a:r>
           </a:p>
           <a:p>
             <a:pPr lvl="2"/>
             <a:r>
-              <a:rPr lang="en-US" dirty="0" smtClean="0"/>
+              <a:rPr lang="en-US" dirty="0"/>
               <a:t>Current Velocity, Vehicle dimensions, Street Guidelines. </a:t>
             </a:r>
           </a:p>
@@ -6819,10 +6771,9 @@
           <a:lstStyle/>
           <a:p>
             <a:r>
-              <a:rPr lang="en-US" dirty="0" smtClean="0"/>
+              <a:rPr lang="en-US" dirty="0"/>
               <a:t>Future Work</a:t>
             </a:r>
-            <a:endParaRPr lang="en-US" dirty="0"/>
           </a:p>
         </p:txBody>
       </p:sp>
@@ -6842,7 +6793,7 @@
           <a:lstStyle/>
           <a:p>
             <a:r>
-              <a:rPr lang="en-US" dirty="0" smtClean="0"/>
+              <a:rPr lang="en-US" dirty="0"/>
               <a:t>A complete method to generate road profiles from different data sources (such as satellite scans).</a:t>
             </a:r>
           </a:p>

--- a/files/Doctoral Stuff/Basic Research.pptx
+++ b/files/Doctoral Stuff/Basic Research.pptx
@@ -5,20 +5,21 @@
     <p:sldMasterId id="2147483707" r:id="rId1"/>
   </p:sldMasterIdLst>
   <p:notesMasterIdLst>
-    <p:notesMasterId r:id="rId10"/>
+    <p:notesMasterId r:id="rId11"/>
   </p:notesMasterIdLst>
   <p:handoutMasterIdLst>
-    <p:handoutMasterId r:id="rId11"/>
+    <p:handoutMasterId r:id="rId12"/>
   </p:handoutMasterIdLst>
   <p:sldIdLst>
     <p:sldId id="293" r:id="rId2"/>
     <p:sldId id="339" r:id="rId3"/>
     <p:sldId id="348" r:id="rId4"/>
-    <p:sldId id="350" r:id="rId5"/>
-    <p:sldId id="349" r:id="rId6"/>
-    <p:sldId id="341" r:id="rId7"/>
-    <p:sldId id="342" r:id="rId8"/>
-    <p:sldId id="343" r:id="rId9"/>
+    <p:sldId id="349" r:id="rId5"/>
+    <p:sldId id="350" r:id="rId6"/>
+    <p:sldId id="342" r:id="rId7"/>
+    <p:sldId id="343" r:id="rId8"/>
+    <p:sldId id="351" r:id="rId9"/>
+    <p:sldId id="352" r:id="rId10"/>
   </p:sldIdLst>
   <p:sldSz cx="9144000" cy="6858000" type="screen4x3"/>
   <p:notesSz cx="6934200" cy="9232900"/>
@@ -6208,18 +6209,49 @@
           <a:p>
             <a:r>
               <a:rPr lang="en-US" dirty="0"/>
-              <a:t>Phase II: Road Profile Generation Framework</a:t>
+              <a:t>Phase II: </a:t>
+            </a:r>
+            <a:r>
+              <a:rPr lang="en-US" dirty="0" smtClean="0"/>
+              <a:t>Smart Barrier Methodology </a:t>
+            </a:r>
+            <a:r>
+              <a:rPr lang="en-US" dirty="0" smtClean="0"/>
+              <a:t> </a:t>
+            </a:r>
+            <a:r>
+              <a:rPr lang="en-US" dirty="0" smtClean="0"/>
+              <a:t> </a:t>
             </a:r>
           </a:p>
           <a:p>
             <a:pPr lvl="1"/>
+            <a:r>
+              <a:rPr lang="en-US" dirty="0" smtClean="0"/>
+              <a:t>Obtain a framework in which the road profile can be utilized</a:t>
+            </a:r>
+            <a:endParaRPr lang="en-US" dirty="0" smtClean="0"/>
+          </a:p>
+          <a:p>
+            <a:pPr lvl="1"/>
+            <a:r>
+              <a:rPr lang="en-US" dirty="0" smtClean="0"/>
+              <a:t>Road </a:t>
+            </a:r>
+            <a:r>
+              <a:rPr lang="en-US" dirty="0"/>
+              <a:t>Profile Generation Framework</a:t>
+            </a:r>
+          </a:p>
+          <a:p>
+            <a:pPr lvl="2"/>
             <a:r>
               <a:rPr lang="en-US" dirty="0"/>
               <a:t>How to formulate road profiles</a:t>
             </a:r>
           </a:p>
           <a:p>
-            <a:pPr lvl="1"/>
+            <a:pPr lvl="2"/>
             <a:r>
               <a:rPr lang="en-US" dirty="0"/>
               <a:t>How to implement with current infrastructure</a:t>
@@ -6270,6 +6302,13 @@
   <p:clrMapOvr>
     <a:masterClrMapping/>
   </p:clrMapOvr>
+  <p:timing>
+    <p:tnLst>
+      <p:par>
+        <p:cTn id="1" dur="indefinite" restart="never" nodeType="tmRoot"/>
+      </p:par>
+    </p:tnLst>
+  </p:timing>
 </p:sld>
 </file>
 
@@ -6290,30 +6329,48 @@
           <a:chExt cx="0" cy="0"/>
         </a:xfrm>
       </p:grpSpPr>
-      <p:sp>
-        <p:nvSpPr>
-          <p:cNvPr id="2" name="Title 1"/>
-          <p:cNvSpPr>
-            <a:spLocks noGrp="1"/>
-          </p:cNvSpPr>
-          <p:nvPr>
-            <p:ph type="title"/>
-          </p:nvPr>
-        </p:nvSpPr>
+      <p:pic>
+        <p:nvPicPr>
+          <p:cNvPr id="6" name="Picture 5"/>
+          <p:cNvPicPr/>
+          <p:nvPr/>
+        </p:nvPicPr>
+        <p:blipFill>
+          <a:blip r:embed="rId2"/>
+          <a:stretch>
+            <a:fillRect/>
+          </a:stretch>
+        </p:blipFill>
         <p:spPr>
           <a:xfrm>
-            <a:off x="457200" y="925887"/>
-            <a:ext cx="8229600" cy="823912"/>
+            <a:off x="282388" y="1501588"/>
+            <a:ext cx="4289612" cy="5204012"/>
           </a:xfrm>
-        </p:spPr>
+          <a:prstGeom prst="rect">
+            <a:avLst/>
+          </a:prstGeom>
+        </p:spPr>
+      </p:pic>
+      <p:sp>
+        <p:nvSpPr>
+          <p:cNvPr id="2" name="Title 1"/>
+          <p:cNvSpPr>
+            <a:spLocks noGrp="1"/>
+          </p:cNvSpPr>
+          <p:nvPr>
+            <p:ph type="title"/>
+          </p:nvPr>
+        </p:nvSpPr>
+        <p:spPr/>
         <p:txBody>
           <a:bodyPr/>
           <a:lstStyle/>
           <a:p>
             <a:r>
-              <a:rPr lang="en-US" dirty="0"/>
-              <a:t>Create a Figure of the same, with arrows.</a:t>
-            </a:r>
+              <a:rPr lang="en-US" dirty="0" smtClean="0"/>
+              <a:t>Road Profile in Overall Method</a:t>
+            </a:r>
+            <a:endParaRPr lang="en-US" dirty="0"/>
           </a:p>
         </p:txBody>
       </p:sp>
@@ -6348,44 +6405,173 @@
       </p:sp>
       <p:pic>
         <p:nvPicPr>
-          <p:cNvPr id="3" name="Picture 2">
-            <a:extLst>
-              <a:ext uri="{FF2B5EF4-FFF2-40B4-BE49-F238E27FC236}">
-                <a16:creationId xmlns:a16="http://schemas.microsoft.com/office/drawing/2014/main" id="{81017F67-AE60-4440-98B2-36D48B88C3B5}"/>
-              </a:ext>
-            </a:extLst>
-          </p:cNvPr>
+          <p:cNvPr id="3" name="Picture 2"/>
           <p:cNvPicPr>
             <a:picLocks noChangeAspect="1"/>
           </p:cNvPicPr>
           <p:nvPr/>
         </p:nvPicPr>
-        <p:blipFill>
-          <a:blip r:embed="rId2"/>
-          <a:stretch>
-            <a:fillRect/>
-          </a:stretch>
+        <p:blipFill rotWithShape="1">
+          <a:blip r:embed="rId3"/>
+          <a:srcRect l="1424" r="2583"/>
+          <a:stretch/>
         </p:blipFill>
         <p:spPr>
           <a:xfrm>
-            <a:off x="2148348" y="2126226"/>
-            <a:ext cx="4847303" cy="4122174"/>
+            <a:off x="4483474" y="2021681"/>
+            <a:ext cx="4531659" cy="4226719"/>
           </a:xfrm>
           <a:prstGeom prst="rect">
             <a:avLst/>
           </a:prstGeom>
+          <a:ln>
+            <a:noFill/>
+          </a:ln>
         </p:spPr>
       </p:pic>
+      <p:sp>
+        <p:nvSpPr>
+          <p:cNvPr id="5" name="Oval 4"/>
+          <p:cNvSpPr/>
+          <p:nvPr/>
+        </p:nvSpPr>
+        <p:spPr bwMode="auto">
+          <a:xfrm>
+            <a:off x="6945406" y="5022167"/>
+            <a:ext cx="2198594" cy="1454834"/>
+          </a:xfrm>
+          <a:prstGeom prst="ellipse">
+            <a:avLst/>
+          </a:prstGeom>
+          <a:noFill/>
+          <a:ln w="28575" cap="flat" cmpd="sng" algn="ctr">
+            <a:solidFill>
+              <a:schemeClr val="bg2"/>
+            </a:solidFill>
+            <a:prstDash val="solid"/>
+            <a:round/>
+            <a:headEnd type="none" w="med" len="med"/>
+            <a:tailEnd type="none" w="med" len="med"/>
+          </a:ln>
+          <a:effectLst/>
+        </p:spPr>
+        <p:txBody>
+          <a:bodyPr vert="horz" wrap="square" lIns="91440" tIns="45720" rIns="91440" bIns="45720" numCol="1" rtlCol="0" anchor="t" anchorCtr="0" compatLnSpc="1">
+            <a:prstTxWarp prst="textNoShape">
+              <a:avLst/>
+            </a:prstTxWarp>
+          </a:bodyPr>
+          <a:lstStyle/>
+          <a:p>
+            <a:pPr marL="0" marR="0" indent="0" algn="l" defTabSz="914400" rtl="0" eaLnBrk="0" fontAlgn="base" latinLnBrk="0" hangingPunct="0">
+              <a:lnSpc>
+                <a:spcPct val="100000"/>
+              </a:lnSpc>
+              <a:spcBef>
+                <a:spcPct val="0"/>
+              </a:spcBef>
+              <a:spcAft>
+                <a:spcPct val="0"/>
+              </a:spcAft>
+              <a:buClrTx/>
+              <a:buSzTx/>
+              <a:buFontTx/>
+              <a:buNone/>
+              <a:tabLst/>
+            </a:pPr>
+            <a:endParaRPr kumimoji="0" lang="en-US" sz="1800" b="0" i="0" u="none" strike="noStrike" cap="none" normalizeH="0" baseline="0" smtClean="0">
+              <a:ln>
+                <a:noFill/>
+              </a:ln>
+              <a:solidFill>
+                <a:schemeClr val="tx1"/>
+              </a:solidFill>
+              <a:effectLst/>
+              <a:latin typeface="Arial" charset="0"/>
+            </a:endParaRPr>
+          </a:p>
+        </p:txBody>
+      </p:sp>
+      <p:sp>
+        <p:nvSpPr>
+          <p:cNvPr id="7" name="Oval 6"/>
+          <p:cNvSpPr/>
+          <p:nvPr/>
+        </p:nvSpPr>
+        <p:spPr bwMode="auto">
+          <a:xfrm>
+            <a:off x="2156013" y="1501588"/>
+            <a:ext cx="2198594" cy="1454834"/>
+          </a:xfrm>
+          <a:prstGeom prst="ellipse">
+            <a:avLst/>
+          </a:prstGeom>
+          <a:noFill/>
+          <a:ln w="28575" cap="flat" cmpd="sng" algn="ctr">
+            <a:solidFill>
+              <a:schemeClr val="bg2"/>
+            </a:solidFill>
+            <a:prstDash val="solid"/>
+            <a:round/>
+            <a:headEnd type="none" w="med" len="med"/>
+            <a:tailEnd type="none" w="med" len="med"/>
+          </a:ln>
+          <a:effectLst/>
+        </p:spPr>
+        <p:txBody>
+          <a:bodyPr vert="horz" wrap="square" lIns="91440" tIns="45720" rIns="91440" bIns="45720" numCol="1" rtlCol="0" anchor="t" anchorCtr="0" compatLnSpc="1">
+            <a:prstTxWarp prst="textNoShape">
+              <a:avLst/>
+            </a:prstTxWarp>
+          </a:bodyPr>
+          <a:lstStyle/>
+          <a:p>
+            <a:pPr marL="0" marR="0" indent="0" algn="l" defTabSz="914400" rtl="0" eaLnBrk="0" fontAlgn="base" latinLnBrk="0" hangingPunct="0">
+              <a:lnSpc>
+                <a:spcPct val="100000"/>
+              </a:lnSpc>
+              <a:spcBef>
+                <a:spcPct val="0"/>
+              </a:spcBef>
+              <a:spcAft>
+                <a:spcPct val="0"/>
+              </a:spcAft>
+              <a:buClrTx/>
+              <a:buSzTx/>
+              <a:buFontTx/>
+              <a:buNone/>
+              <a:tabLst/>
+            </a:pPr>
+            <a:endParaRPr kumimoji="0" lang="en-US" sz="1800" b="0" i="0" u="none" strike="noStrike" cap="none" normalizeH="0" baseline="0" smtClean="0">
+              <a:ln>
+                <a:noFill/>
+              </a:ln>
+              <a:solidFill>
+                <a:schemeClr val="tx1"/>
+              </a:solidFill>
+              <a:effectLst/>
+              <a:latin typeface="Arial" charset="0"/>
+            </a:endParaRPr>
+          </a:p>
+        </p:txBody>
+      </p:sp>
     </p:spTree>
     <p:extLst>
       <p:ext uri="{BB962C8B-B14F-4D97-AF65-F5344CB8AC3E}">
-        <p14:creationId xmlns:p14="http://schemas.microsoft.com/office/powerpoint/2010/main" val="3971665404"/>
+        <p14:creationId xmlns:p14="http://schemas.microsoft.com/office/powerpoint/2010/main" val="801579850"/>
       </p:ext>
     </p:extLst>
   </p:cSld>
   <p:clrMapOvr>
     <a:masterClrMapping/>
   </p:clrMapOvr>
+  <p:timing>
+    <p:tnLst>
+      <p:par>
+        <p:cTn id="1" dur="indefinite" restart="never" nodeType="tmRoot"/>
+      </p:par>
+    </p:tnLst>
+  </p:timing>
 </p:sld>
 </file>
 
@@ -6416,15 +6602,21 @@
             <p:ph type="title"/>
           </p:nvPr>
         </p:nvSpPr>
-        <p:spPr/>
+        <p:spPr>
+          <a:xfrm>
+            <a:off x="457200" y="589710"/>
+            <a:ext cx="8229600" cy="823912"/>
+          </a:xfrm>
+        </p:spPr>
         <p:txBody>
           <a:bodyPr/>
           <a:lstStyle/>
           <a:p>
             <a:r>
-              <a:rPr lang="en-US" dirty="0"/>
-              <a:t>Road Profile with Infrastructure</a:t>
-            </a:r>
+              <a:rPr lang="en-US" dirty="0" smtClean="0"/>
+              <a:t>Sample Road Discretization</a:t>
+            </a:r>
+            <a:endParaRPr lang="en-US" dirty="0"/>
           </a:p>
         </p:txBody>
       </p:sp>
@@ -6459,36 +6651,67 @@
       </p:sp>
       <p:pic>
         <p:nvPicPr>
-          <p:cNvPr id="6" name="Picture 5"/>
-          <p:cNvPicPr/>
+          <p:cNvPr id="5" name="Picture 4"/>
+          <p:cNvPicPr>
+            <a:picLocks noChangeAspect="1"/>
+          </p:cNvPicPr>
           <p:nvPr/>
         </p:nvPicPr>
-        <p:blipFill>
+        <p:blipFill rotWithShape="1">
           <a:blip r:embed="rId2"/>
-          <a:stretch>
-            <a:fillRect/>
-          </a:stretch>
+          <a:srcRect l="5957" r="4141"/>
+          <a:stretch/>
         </p:blipFill>
         <p:spPr>
           <a:xfrm>
-            <a:off x="2554941" y="1501588"/>
-            <a:ext cx="4289612" cy="5204012"/>
+            <a:off x="3792071" y="1740834"/>
+            <a:ext cx="5351929" cy="4507566"/>
           </a:xfrm>
           <a:prstGeom prst="rect">
             <a:avLst/>
           </a:prstGeom>
         </p:spPr>
       </p:pic>
+      <p:pic>
+        <p:nvPicPr>
+          <p:cNvPr id="6" name="Picture 5"/>
+          <p:cNvPicPr>
+            <a:picLocks noChangeAspect="1"/>
+          </p:cNvPicPr>
+          <p:nvPr/>
+        </p:nvPicPr>
+        <p:blipFill rotWithShape="1">
+          <a:blip r:embed="rId3"/>
+          <a:srcRect l="2312" r="4200"/>
+          <a:stretch/>
+        </p:blipFill>
+        <p:spPr>
+          <a:xfrm>
+            <a:off x="457200" y="1413621"/>
+            <a:ext cx="3240712" cy="2055719"/>
+          </a:xfrm>
+          <a:prstGeom prst="rect">
+            <a:avLst/>
+          </a:prstGeom>
+        </p:spPr>
+      </p:pic>
     </p:spTree>
     <p:extLst>
       <p:ext uri="{BB962C8B-B14F-4D97-AF65-F5344CB8AC3E}">
-        <p14:creationId xmlns:p14="http://schemas.microsoft.com/office/powerpoint/2010/main" val="801579850"/>
+        <p14:creationId xmlns:p14="http://schemas.microsoft.com/office/powerpoint/2010/main" val="3971665404"/>
       </p:ext>
     </p:extLst>
   </p:cSld>
   <p:clrMapOvr>
     <a:masterClrMapping/>
   </p:clrMapOvr>
+  <p:timing>
+    <p:tnLst>
+      <p:par>
+        <p:cTn id="1" dur="indefinite" restart="never" nodeType="tmRoot"/>
+      </p:par>
+    </p:tnLst>
+  </p:timing>
 </p:sld>
 </file>
 
@@ -6526,7 +6749,83 @@
           <a:p>
             <a:r>
               <a:rPr lang="en-US" dirty="0"/>
-              <a:t>Previous Work Documents</a:t>
+              <a:t>Current Work </a:t>
+            </a:r>
+          </a:p>
+        </p:txBody>
+      </p:sp>
+      <p:sp>
+        <p:nvSpPr>
+          <p:cNvPr id="3" name="Content Placeholder 2"/>
+          <p:cNvSpPr>
+            <a:spLocks noGrp="1"/>
+          </p:cNvSpPr>
+          <p:nvPr>
+            <p:ph idx="1"/>
+          </p:nvPr>
+        </p:nvSpPr>
+        <p:spPr>
+          <a:xfrm>
+            <a:off x="457200" y="1631576"/>
+            <a:ext cx="7812741" cy="3886200"/>
+          </a:xfrm>
+        </p:spPr>
+        <p:txBody>
+          <a:bodyPr/>
+          <a:lstStyle/>
+          <a:p>
+            <a:r>
+              <a:rPr lang="en-US" dirty="0"/>
+              <a:t>ABS Acceleration Data, New Filtering Method Developed (Should I??????)</a:t>
+            </a:r>
+          </a:p>
+          <a:p>
+            <a:r>
+              <a:rPr lang="en-US" dirty="0" smtClean="0"/>
+              <a:t>Road Profile Filtering/Smoothing</a:t>
+            </a:r>
+          </a:p>
+          <a:p>
+            <a:pPr lvl="1"/>
+            <a:r>
+              <a:rPr lang="en-US" dirty="0" smtClean="0"/>
+              <a:t>Data can come from multiple source</a:t>
+            </a:r>
+          </a:p>
+          <a:p>
+            <a:pPr lvl="2"/>
+            <a:r>
+              <a:rPr lang="en-US" dirty="0" smtClean="0"/>
+              <a:t>Satellite scans, GPS, </a:t>
+            </a:r>
+            <a:r>
+              <a:rPr lang="en-US" dirty="0" smtClean="0"/>
+              <a:t>lidar scans</a:t>
+            </a:r>
+            <a:endParaRPr lang="en-US" dirty="0" smtClean="0"/>
+          </a:p>
+          <a:p>
+            <a:r>
+              <a:rPr lang="en-US" dirty="0" smtClean="0"/>
+              <a:t>Optimization </a:t>
+            </a:r>
+            <a:r>
+              <a:rPr lang="en-US" dirty="0"/>
+              <a:t>Method for Road Profile</a:t>
+            </a:r>
+          </a:p>
+          <a:p>
+            <a:pPr lvl="1"/>
+            <a:r>
+              <a:rPr lang="en-US" dirty="0"/>
+              <a:t>Selection of the best trajectory dependent on certain parameters</a:t>
+            </a:r>
+          </a:p>
+          <a:p>
+            <a:pPr lvl="2"/>
+            <a:r>
+              <a:rPr lang="en-US" dirty="0"/>
+              <a:t>Current Velocity, Vehicle dimensions, Street Guidelines. </a:t>
             </a:r>
           </a:p>
         </p:txBody>
@@ -6560,47 +6859,10 @@
           </a:p>
         </p:txBody>
       </p:sp>
-      <p:sp>
-        <p:nvSpPr>
-          <p:cNvPr id="5" name="Content Placeholder 4"/>
-          <p:cNvSpPr>
-            <a:spLocks noGrp="1"/>
-          </p:cNvSpPr>
-          <p:nvPr>
-            <p:ph idx="1"/>
-          </p:nvPr>
-        </p:nvSpPr>
-        <p:spPr/>
-        <p:txBody>
-          <a:bodyPr/>
-          <a:lstStyle/>
-          <a:p>
-            <a:r>
-              <a:rPr lang="en-US" dirty="0"/>
-              <a:t>MATC Year 1 Report</a:t>
-            </a:r>
-          </a:p>
-          <a:p>
-            <a:r>
-              <a:rPr lang="en-US" dirty="0"/>
-              <a:t>MATC Year 2 Report</a:t>
-            </a:r>
-          </a:p>
-          <a:p>
-            <a:r>
-              <a:rPr lang="en-US" dirty="0"/>
-              <a:t>SAE Publication</a:t>
-            </a:r>
-          </a:p>
-          <a:p>
-            <a:endParaRPr lang="en-US" dirty="0"/>
-          </a:p>
-        </p:txBody>
-      </p:sp>
     </p:spTree>
     <p:extLst>
       <p:ext uri="{BB962C8B-B14F-4D97-AF65-F5344CB8AC3E}">
-        <p14:creationId xmlns:p14="http://schemas.microsoft.com/office/powerpoint/2010/main" val="1393480733"/>
+        <p14:creationId xmlns:p14="http://schemas.microsoft.com/office/powerpoint/2010/main" val="2364432266"/>
       </p:ext>
     </p:extLst>
   </p:cSld>
@@ -6643,9 +6905,14 @@
           <a:lstStyle/>
           <a:p>
             <a:r>
-              <a:rPr lang="en-US" dirty="0"/>
-              <a:t>Current Work </a:t>
-            </a:r>
+              <a:rPr lang="en-US" dirty="0" smtClean="0"/>
+              <a:t>Termination </a:t>
+            </a:r>
+            <a:r>
+              <a:rPr lang="en-US" dirty="0" smtClean="0"/>
+              <a:t>Goal</a:t>
+            </a:r>
+            <a:endParaRPr lang="en-US" dirty="0"/>
           </a:p>
         </p:txBody>
       </p:sp>
@@ -6661,8 +6928,8 @@
         </p:nvSpPr>
         <p:spPr>
           <a:xfrm>
-            <a:off x="457200" y="1631576"/>
-            <a:ext cx="7812741" cy="3886200"/>
+            <a:off x="457200" y="1564341"/>
+            <a:ext cx="8229600" cy="3886200"/>
           </a:xfrm>
         </p:spPr>
         <p:txBody>
@@ -6671,27 +6938,36 @@
           <a:p>
             <a:r>
               <a:rPr lang="en-US" dirty="0"/>
-              <a:t>ABS Acceleration Data, New Filtering Method Developed (Should I??????)</a:t>
-            </a:r>
-          </a:p>
-          <a:p>
-            <a:r>
-              <a:rPr lang="en-US" dirty="0"/>
-              <a:t>Optimization Method for Road Profile</a:t>
+              <a:t>A complete method to generate road </a:t>
+            </a:r>
+            <a:r>
+              <a:rPr lang="en-US" dirty="0" smtClean="0"/>
+              <a:t>profiles with the following characteristics:</a:t>
             </a:r>
           </a:p>
           <a:p>
             <a:pPr lvl="1"/>
             <a:r>
-              <a:rPr lang="en-US" dirty="0"/>
-              <a:t>Selection of the best trajectory dependent on certain parameters</a:t>
+              <a:rPr lang="en-US" dirty="0" smtClean="0"/>
+              <a:t>Independent of data sources</a:t>
+            </a:r>
+          </a:p>
+          <a:p>
+            <a:pPr lvl="1"/>
+            <a:r>
+              <a:rPr lang="en-US" dirty="0" smtClean="0"/>
+              <a:t>Independent of most vehicle types</a:t>
             </a:r>
           </a:p>
           <a:p>
             <a:pPr lvl="2"/>
             <a:r>
-              <a:rPr lang="en-US" dirty="0"/>
-              <a:t>Current Velocity, Vehicle dimensions, Street Guidelines. </a:t>
+              <a:rPr lang="en-US" dirty="0" smtClean="0"/>
+              <a:t>Some vehicles are not considered, for example </a:t>
+            </a:r>
+            <a:r>
+              <a:rPr lang="en-US" dirty="0" smtClean="0"/>
+              <a:t>Cargo Trucks, or Double Semi Trucks</a:t>
             </a:r>
           </a:p>
         </p:txBody>
@@ -6728,7 +7004,7 @@
     </p:spTree>
     <p:extLst>
       <p:ext uri="{BB962C8B-B14F-4D97-AF65-F5344CB8AC3E}">
-        <p14:creationId xmlns:p14="http://schemas.microsoft.com/office/powerpoint/2010/main" val="2364432266"/>
+        <p14:creationId xmlns:p14="http://schemas.microsoft.com/office/powerpoint/2010/main" val="3361069170"/>
       </p:ext>
     </p:extLst>
   </p:cSld>
@@ -6739,7 +7015,7 @@
 </file>
 
 <file path=ppt/slides/slide8.xml><?xml version="1.0" encoding="utf-8"?>
-<p:sld xmlns:a="http://schemas.openxmlformats.org/drawingml/2006/main" xmlns:r="http://schemas.openxmlformats.org/officeDocument/2006/relationships" xmlns:p="http://schemas.openxmlformats.org/presentationml/2006/main">
+<p:sld xmlns:a="http://schemas.openxmlformats.org/drawingml/2006/main" xmlns:r="http://schemas.openxmlformats.org/officeDocument/2006/relationships" xmlns:p="http://schemas.openxmlformats.org/presentationml/2006/main" show="0">
   <p:cSld>
     <p:spTree>
       <p:nvGrpSpPr>
@@ -6771,37 +7047,38 @@
           <a:lstStyle/>
           <a:p>
             <a:r>
-              <a:rPr lang="en-US" dirty="0"/>
-              <a:t>Future Work</a:t>
-            </a:r>
-          </a:p>
-        </p:txBody>
-      </p:sp>
-      <p:sp>
-        <p:nvSpPr>
-          <p:cNvPr id="3" name="Content Placeholder 2"/>
-          <p:cNvSpPr>
-            <a:spLocks noGrp="1"/>
-          </p:cNvSpPr>
+              <a:rPr lang="en-US" dirty="0" smtClean="0"/>
+              <a:t>Program of Studies</a:t>
+            </a:r>
+            <a:endParaRPr lang="en-US" dirty="0"/>
+          </a:p>
+        </p:txBody>
+      </p:sp>
+      <p:pic>
+        <p:nvPicPr>
+          <p:cNvPr id="5" name="Content Placeholder 4"/>
+          <p:cNvPicPr>
+            <a:picLocks noGrp="1" noChangeAspect="1"/>
+          </p:cNvPicPr>
           <p:nvPr>
             <p:ph idx="1"/>
           </p:nvPr>
-        </p:nvSpPr>
-        <p:spPr/>
-        <p:txBody>
-          <a:bodyPr/>
-          <a:lstStyle/>
-          <a:p>
-            <a:r>
-              <a:rPr lang="en-US" dirty="0"/>
-              <a:t>A complete method to generate road profiles from different data sources (such as satellite scans).</a:t>
-            </a:r>
-          </a:p>
-          <a:p>
-            <a:endParaRPr lang="en-US" dirty="0"/>
-          </a:p>
-        </p:txBody>
-      </p:sp>
+        </p:nvPicPr>
+        <p:blipFill rotWithShape="1">
+          <a:blip r:embed="rId2"/>
+          <a:srcRect l="15890" b="13431"/>
+          <a:stretch/>
+        </p:blipFill>
+        <p:spPr>
+          <a:xfrm>
+            <a:off x="1990166" y="1400175"/>
+            <a:ext cx="4948516" cy="4759699"/>
+          </a:xfrm>
+          <a:prstGeom prst="rect">
+            <a:avLst/>
+          </a:prstGeom>
+        </p:spPr>
+      </p:pic>
       <p:sp>
         <p:nvSpPr>
           <p:cNvPr id="4" name="Slide Number Placeholder 3"/>
@@ -6834,13 +7111,136 @@
     </p:spTree>
     <p:extLst>
       <p:ext uri="{BB962C8B-B14F-4D97-AF65-F5344CB8AC3E}">
-        <p14:creationId xmlns:p14="http://schemas.microsoft.com/office/powerpoint/2010/main" val="3361069170"/>
+        <p14:creationId xmlns:p14="http://schemas.microsoft.com/office/powerpoint/2010/main" val="4009309414"/>
       </p:ext>
     </p:extLst>
   </p:cSld>
   <p:clrMapOvr>
     <a:masterClrMapping/>
   </p:clrMapOvr>
+  <mc:AlternateContent xmlns:mc="http://schemas.openxmlformats.org/markup-compatibility/2006">
+    <mc:Choice xmlns:p14="http://schemas.microsoft.com/office/powerpoint/2010/main" Requires="p14">
+      <p:transition spd="slow" p14:dur="2000"/>
+    </mc:Choice>
+    <mc:Fallback>
+      <p:transition spd="slow"/>
+    </mc:Fallback>
+  </mc:AlternateContent>
+</p:sld>
+</file>
+
+<file path=ppt/slides/slide9.xml><?xml version="1.0" encoding="utf-8"?>
+<p:sld xmlns:a="http://schemas.openxmlformats.org/drawingml/2006/main" xmlns:r="http://schemas.openxmlformats.org/officeDocument/2006/relationships" xmlns:p="http://schemas.openxmlformats.org/presentationml/2006/main" show="0">
+  <p:cSld>
+    <p:spTree>
+      <p:nvGrpSpPr>
+        <p:cNvPr id="1" name=""/>
+        <p:cNvGrpSpPr/>
+        <p:nvPr/>
+      </p:nvGrpSpPr>
+      <p:grpSpPr>
+        <a:xfrm>
+          <a:off x="0" y="0"/>
+          <a:ext cx="0" cy="0"/>
+          <a:chOff x="0" y="0"/>
+          <a:chExt cx="0" cy="0"/>
+        </a:xfrm>
+      </p:grpSpPr>
+      <p:sp>
+        <p:nvSpPr>
+          <p:cNvPr id="2" name="Title 1"/>
+          <p:cNvSpPr>
+            <a:spLocks noGrp="1"/>
+          </p:cNvSpPr>
+          <p:nvPr>
+            <p:ph type="title"/>
+          </p:nvPr>
+        </p:nvSpPr>
+        <p:spPr/>
+        <p:txBody>
+          <a:bodyPr/>
+          <a:lstStyle/>
+          <a:p>
+            <a:r>
+              <a:rPr lang="en-US" dirty="0"/>
+              <a:t>Program of Studies</a:t>
+            </a:r>
+          </a:p>
+        </p:txBody>
+      </p:sp>
+      <p:sp>
+        <p:nvSpPr>
+          <p:cNvPr id="4" name="Slide Number Placeholder 3"/>
+          <p:cNvSpPr>
+            <a:spLocks noGrp="1"/>
+          </p:cNvSpPr>
+          <p:nvPr>
+            <p:ph type="sldNum" sz="quarter" idx="11"/>
+          </p:nvPr>
+        </p:nvSpPr>
+        <p:spPr/>
+        <p:txBody>
+          <a:bodyPr/>
+          <a:lstStyle/>
+          <a:p>
+            <a:pPr>
+              <a:defRPr/>
+            </a:pPr>
+            <a:fld id="{62652FC9-B4A2-484B-A2FC-89D150CA4223}" type="slidenum">
+              <a:rPr lang="en-US" smtClean="0"/>
+              <a:pPr>
+                <a:defRPr/>
+              </a:pPr>
+              <a:t>9</a:t>
+            </a:fld>
+            <a:endParaRPr lang="en-US"/>
+          </a:p>
+        </p:txBody>
+      </p:sp>
+      <p:pic>
+        <p:nvPicPr>
+          <p:cNvPr id="8" name="Content Placeholder 7"/>
+          <p:cNvPicPr>
+            <a:picLocks noGrp="1" noChangeAspect="1"/>
+          </p:cNvPicPr>
+          <p:nvPr>
+            <p:ph idx="1"/>
+          </p:nvPr>
+        </p:nvPicPr>
+        <p:blipFill>
+          <a:blip r:embed="rId2"/>
+          <a:stretch>
+            <a:fillRect/>
+          </a:stretch>
+        </p:blipFill>
+        <p:spPr>
+          <a:xfrm>
+            <a:off x="887785" y="2342309"/>
+            <a:ext cx="7173226" cy="2471738"/>
+          </a:xfrm>
+          <a:prstGeom prst="rect">
+            <a:avLst/>
+          </a:prstGeom>
+        </p:spPr>
+      </p:pic>
+    </p:spTree>
+    <p:extLst>
+      <p:ext uri="{BB962C8B-B14F-4D97-AF65-F5344CB8AC3E}">
+        <p14:creationId xmlns:p14="http://schemas.microsoft.com/office/powerpoint/2010/main" val="2683820966"/>
+      </p:ext>
+    </p:extLst>
+  </p:cSld>
+  <p:clrMapOvr>
+    <a:masterClrMapping/>
+  </p:clrMapOvr>
+  <mc:AlternateContent xmlns:mc="http://schemas.openxmlformats.org/markup-compatibility/2006">
+    <mc:Choice xmlns:p14="http://schemas.microsoft.com/office/powerpoint/2010/main" Requires="p14">
+      <p:transition spd="slow" p14:dur="2000"/>
+    </mc:Choice>
+    <mc:Fallback>
+      <p:transition spd="slow"/>
+    </mc:Fallback>
+  </mc:AlternateContent>
 </p:sld>
 </file>
 

--- a/files/Doctoral Stuff/Basic Research.pptx
+++ b/files/Doctoral Stuff/Basic Research.pptx
@@ -5,10 +5,10 @@
     <p:sldMasterId id="2147483707" r:id="rId1"/>
   </p:sldMasterIdLst>
   <p:notesMasterIdLst>
-    <p:notesMasterId r:id="rId11"/>
+    <p:notesMasterId r:id="rId12"/>
   </p:notesMasterIdLst>
   <p:handoutMasterIdLst>
-    <p:handoutMasterId r:id="rId12"/>
+    <p:handoutMasterId r:id="rId13"/>
   </p:handoutMasterIdLst>
   <p:sldIdLst>
     <p:sldId id="293" r:id="rId2"/>
@@ -16,10 +16,11 @@
     <p:sldId id="348" r:id="rId4"/>
     <p:sldId id="349" r:id="rId5"/>
     <p:sldId id="350" r:id="rId6"/>
-    <p:sldId id="342" r:id="rId7"/>
-    <p:sldId id="343" r:id="rId8"/>
-    <p:sldId id="351" r:id="rId9"/>
-    <p:sldId id="352" r:id="rId10"/>
+    <p:sldId id="353" r:id="rId7"/>
+    <p:sldId id="342" r:id="rId8"/>
+    <p:sldId id="343" r:id="rId9"/>
+    <p:sldId id="351" r:id="rId10"/>
+    <p:sldId id="352" r:id="rId11"/>
   </p:sldIdLst>
   <p:sldSz cx="9144000" cy="6858000" type="screen4x3"/>
   <p:notesSz cx="6934200" cy="9232900"/>
@@ -5976,6 +5977,121 @@
 </p:sld>
 </file>
 
+<file path=ppt/slides/slide10.xml><?xml version="1.0" encoding="utf-8"?>
+<p:sld xmlns:a="http://schemas.openxmlformats.org/drawingml/2006/main" xmlns:r="http://schemas.openxmlformats.org/officeDocument/2006/relationships" xmlns:p="http://schemas.openxmlformats.org/presentationml/2006/main" show="0">
+  <p:cSld>
+    <p:spTree>
+      <p:nvGrpSpPr>
+        <p:cNvPr id="1" name=""/>
+        <p:cNvGrpSpPr/>
+        <p:nvPr/>
+      </p:nvGrpSpPr>
+      <p:grpSpPr>
+        <a:xfrm>
+          <a:off x="0" y="0"/>
+          <a:ext cx="0" cy="0"/>
+          <a:chOff x="0" y="0"/>
+          <a:chExt cx="0" cy="0"/>
+        </a:xfrm>
+      </p:grpSpPr>
+      <p:sp>
+        <p:nvSpPr>
+          <p:cNvPr id="2" name="Title 1"/>
+          <p:cNvSpPr>
+            <a:spLocks noGrp="1"/>
+          </p:cNvSpPr>
+          <p:nvPr>
+            <p:ph type="title"/>
+          </p:nvPr>
+        </p:nvSpPr>
+        <p:spPr/>
+        <p:txBody>
+          <a:bodyPr/>
+          <a:lstStyle/>
+          <a:p>
+            <a:r>
+              <a:rPr lang="en-US" dirty="0"/>
+              <a:t>Program of Studies</a:t>
+            </a:r>
+          </a:p>
+        </p:txBody>
+      </p:sp>
+      <p:sp>
+        <p:nvSpPr>
+          <p:cNvPr id="4" name="Slide Number Placeholder 3"/>
+          <p:cNvSpPr>
+            <a:spLocks noGrp="1"/>
+          </p:cNvSpPr>
+          <p:nvPr>
+            <p:ph type="sldNum" sz="quarter" idx="11"/>
+          </p:nvPr>
+        </p:nvSpPr>
+        <p:spPr/>
+        <p:txBody>
+          <a:bodyPr/>
+          <a:lstStyle/>
+          <a:p>
+            <a:pPr>
+              <a:defRPr/>
+            </a:pPr>
+            <a:fld id="{62652FC9-B4A2-484B-A2FC-89D150CA4223}" type="slidenum">
+              <a:rPr lang="en-US" smtClean="0"/>
+              <a:pPr>
+                <a:defRPr/>
+              </a:pPr>
+              <a:t>10</a:t>
+            </a:fld>
+            <a:endParaRPr lang="en-US"/>
+          </a:p>
+        </p:txBody>
+      </p:sp>
+      <p:pic>
+        <p:nvPicPr>
+          <p:cNvPr id="8" name="Content Placeholder 7"/>
+          <p:cNvPicPr>
+            <a:picLocks noGrp="1" noChangeAspect="1"/>
+          </p:cNvPicPr>
+          <p:nvPr>
+            <p:ph idx="1"/>
+          </p:nvPr>
+        </p:nvPicPr>
+        <p:blipFill>
+          <a:blip r:embed="rId2"/>
+          <a:stretch>
+            <a:fillRect/>
+          </a:stretch>
+        </p:blipFill>
+        <p:spPr>
+          <a:xfrm>
+            <a:off x="887785" y="2342309"/>
+            <a:ext cx="7173226" cy="2471738"/>
+          </a:xfrm>
+          <a:prstGeom prst="rect">
+            <a:avLst/>
+          </a:prstGeom>
+        </p:spPr>
+      </p:pic>
+    </p:spTree>
+    <p:extLst>
+      <p:ext uri="{BB962C8B-B14F-4D97-AF65-F5344CB8AC3E}">
+        <p14:creationId xmlns:p14="http://schemas.microsoft.com/office/powerpoint/2010/main" val="2683820966"/>
+      </p:ext>
+    </p:extLst>
+  </p:cSld>
+  <p:clrMapOvr>
+    <a:masterClrMapping/>
+  </p:clrMapOvr>
+  <mc:AlternateContent xmlns:mc="http://schemas.openxmlformats.org/markup-compatibility/2006" xmlns:p14="http://schemas.microsoft.com/office/powerpoint/2010/main">
+    <mc:Choice Requires="p14">
+      <p:transition spd="slow" p14:dur="2000"/>
+    </mc:Choice>
+    <mc:Fallback xmlns="">
+      <p:transition spd="slow"/>
+    </mc:Fallback>
+  </mc:AlternateContent>
+</p:sld>
+</file>
+
 <file path=ppt/slides/slide2.xml><?xml version="1.0" encoding="utf-8"?>
 <p:sld xmlns:a="http://schemas.openxmlformats.org/drawingml/2006/main" xmlns:r="http://schemas.openxmlformats.org/officeDocument/2006/relationships" xmlns:p="http://schemas.openxmlformats.org/presentationml/2006/main">
   <p:cSld>
@@ -6213,15 +6329,7 @@
             </a:r>
             <a:r>
               <a:rPr lang="en-US" dirty="0" smtClean="0"/>
-              <a:t>Smart Barrier Methodology </a:t>
-            </a:r>
-            <a:r>
-              <a:rPr lang="en-US" dirty="0" smtClean="0"/>
-              <a:t> </a:t>
-            </a:r>
-            <a:r>
-              <a:rPr lang="en-US" dirty="0" smtClean="0"/>
-              <a:t> </a:t>
+              <a:t>Smart Barrier Methodology   </a:t>
             </a:r>
           </a:p>
           <a:p>
@@ -6230,7 +6338,6 @@
               <a:rPr lang="en-US" dirty="0" smtClean="0"/>
               <a:t>Obtain a framework in which the road profile can be utilized</a:t>
             </a:r>
-            <a:endParaRPr lang="en-US" dirty="0" smtClean="0"/>
           </a:p>
           <a:p>
             <a:pPr lvl="1"/>
@@ -6664,8 +6771,8 @@
         </p:blipFill>
         <p:spPr>
           <a:xfrm>
-            <a:off x="3792071" y="1740834"/>
-            <a:ext cx="5351929" cy="4507566"/>
+            <a:off x="4020201" y="1673297"/>
+            <a:ext cx="5123799" cy="4315428"/>
           </a:xfrm>
           <a:prstGeom prst="rect">
             <a:avLst/>
@@ -6682,19 +6789,174 @@
         </p:nvPicPr>
         <p:blipFill rotWithShape="1">
           <a:blip r:embed="rId3"/>
-          <a:srcRect l="2312" r="4200"/>
+          <a:srcRect l="2312" t="8939" r="4200"/>
           <a:stretch/>
         </p:blipFill>
         <p:spPr>
           <a:xfrm>
-            <a:off x="457200" y="1413621"/>
-            <a:ext cx="3240712" cy="2055719"/>
+            <a:off x="551802" y="4196595"/>
+            <a:ext cx="3042780" cy="2051805"/>
           </a:xfrm>
           <a:prstGeom prst="rect">
             <a:avLst/>
           </a:prstGeom>
         </p:spPr>
       </p:pic>
+      <p:pic>
+        <p:nvPicPr>
+          <p:cNvPr id="3" name="Picture 2"/>
+          <p:cNvPicPr>
+            <a:picLocks noChangeAspect="1"/>
+          </p:cNvPicPr>
+          <p:nvPr/>
+        </p:nvPicPr>
+        <p:blipFill rotWithShape="1">
+          <a:blip r:embed="rId4"/>
+          <a:srcRect l="1452" t="6746" r="6768" b="6383"/>
+          <a:stretch/>
+        </p:blipFill>
+        <p:spPr>
+          <a:xfrm>
+            <a:off x="348602" y="1559935"/>
+            <a:ext cx="2834436" cy="1889967"/>
+          </a:xfrm>
+          <a:prstGeom prst="rect">
+            <a:avLst/>
+          </a:prstGeom>
+        </p:spPr>
+      </p:pic>
+      <p:sp>
+        <p:nvSpPr>
+          <p:cNvPr id="7" name="Down Arrow 6"/>
+          <p:cNvSpPr/>
+          <p:nvPr/>
+        </p:nvSpPr>
+        <p:spPr bwMode="auto">
+          <a:xfrm>
+            <a:off x="1493134" y="3596215"/>
+            <a:ext cx="423157" cy="729205"/>
+          </a:xfrm>
+          <a:prstGeom prst="downArrow">
+            <a:avLst/>
+          </a:prstGeom>
+          <a:solidFill>
+            <a:schemeClr val="accent1"/>
+          </a:solidFill>
+          <a:ln w="28575" cap="flat" cmpd="sng" algn="ctr">
+            <a:noFill/>
+            <a:prstDash val="solid"/>
+            <a:round/>
+            <a:headEnd type="none" w="med" len="med"/>
+            <a:tailEnd type="none" w="med" len="med"/>
+          </a:ln>
+          <a:effectLst/>
+        </p:spPr>
+        <p:txBody>
+          <a:bodyPr vert="horz" wrap="square" lIns="91440" tIns="45720" rIns="91440" bIns="45720" numCol="1" rtlCol="0" anchor="t" anchorCtr="0" compatLnSpc="1">
+            <a:prstTxWarp prst="textNoShape">
+              <a:avLst/>
+            </a:prstTxWarp>
+          </a:bodyPr>
+          <a:lstStyle/>
+          <a:p>
+            <a:pPr marL="0" marR="0" indent="0" algn="l" defTabSz="914400" rtl="0" eaLnBrk="0" fontAlgn="base" latinLnBrk="0" hangingPunct="0">
+              <a:lnSpc>
+                <a:spcPct val="100000"/>
+              </a:lnSpc>
+              <a:spcBef>
+                <a:spcPct val="0"/>
+              </a:spcBef>
+              <a:spcAft>
+                <a:spcPct val="0"/>
+              </a:spcAft>
+              <a:buClrTx/>
+              <a:buSzTx/>
+              <a:buFontTx/>
+              <a:buNone/>
+              <a:tabLst/>
+            </a:pPr>
+            <a:endParaRPr kumimoji="0" lang="en-US" sz="1800" b="0" i="0" u="none" strike="noStrike" cap="none" normalizeH="0" baseline="0" smtClean="0">
+              <a:ln>
+                <a:noFill/>
+              </a:ln>
+              <a:solidFill>
+                <a:schemeClr val="tx1"/>
+              </a:solidFill>
+              <a:effectLst/>
+              <a:latin typeface="Arial" charset="0"/>
+            </a:endParaRPr>
+          </a:p>
+        </p:txBody>
+      </p:sp>
+      <p:sp>
+        <p:nvSpPr>
+          <p:cNvPr id="10" name="U-Turn Arrow 9"/>
+          <p:cNvSpPr/>
+          <p:nvPr/>
+        </p:nvSpPr>
+        <p:spPr bwMode="auto">
+          <a:xfrm rot="10800000" flipH="1">
+            <a:off x="2910839" y="5988725"/>
+            <a:ext cx="2424605" cy="793075"/>
+          </a:xfrm>
+          <a:prstGeom prst="uturnArrow">
+            <a:avLst>
+              <a:gd name="adj1" fmla="val 13684"/>
+              <a:gd name="adj2" fmla="val 21138"/>
+              <a:gd name="adj3" fmla="val 43628"/>
+              <a:gd name="adj4" fmla="val 0"/>
+              <a:gd name="adj5" fmla="val 99020"/>
+            </a:avLst>
+          </a:prstGeom>
+          <a:solidFill>
+            <a:schemeClr val="accent1"/>
+          </a:solidFill>
+          <a:ln w="28575" cap="flat" cmpd="sng" algn="ctr">
+            <a:noFill/>
+            <a:prstDash val="solid"/>
+            <a:round/>
+            <a:headEnd type="none" w="med" len="med"/>
+            <a:tailEnd type="none" w="med" len="med"/>
+          </a:ln>
+          <a:effectLst/>
+        </p:spPr>
+        <p:txBody>
+          <a:bodyPr vert="horz" wrap="square" lIns="91440" tIns="45720" rIns="91440" bIns="45720" numCol="1" rtlCol="0" anchor="t" anchorCtr="0" compatLnSpc="1">
+            <a:prstTxWarp prst="textNoShape">
+              <a:avLst/>
+            </a:prstTxWarp>
+          </a:bodyPr>
+          <a:lstStyle/>
+          <a:p>
+            <a:pPr marL="0" marR="0" indent="0" algn="l" defTabSz="914400" rtl="0" eaLnBrk="0" fontAlgn="base" latinLnBrk="0" hangingPunct="0">
+              <a:lnSpc>
+                <a:spcPct val="100000"/>
+              </a:lnSpc>
+              <a:spcBef>
+                <a:spcPct val="0"/>
+              </a:spcBef>
+              <a:spcAft>
+                <a:spcPct val="0"/>
+              </a:spcAft>
+              <a:buClrTx/>
+              <a:buSzTx/>
+              <a:buFontTx/>
+              <a:buNone/>
+              <a:tabLst/>
+            </a:pPr>
+            <a:endParaRPr kumimoji="0" lang="en-US" sz="1800" b="0" i="0" u="none" strike="noStrike" cap="none" normalizeH="0" baseline="0" smtClean="0">
+              <a:ln>
+                <a:noFill/>
+              </a:ln>
+              <a:solidFill>
+                <a:schemeClr val="tx1"/>
+              </a:solidFill>
+              <a:effectLst/>
+              <a:latin typeface="Arial" charset="0"/>
+            </a:endParaRPr>
+          </a:p>
+        </p:txBody>
+      </p:sp>
     </p:spTree>
     <p:extLst>
       <p:ext uri="{BB962C8B-B14F-4D97-AF65-F5344CB8AC3E}">
@@ -6748,88 +7010,38 @@
           <a:lstStyle/>
           <a:p>
             <a:r>
-              <a:rPr lang="en-US" dirty="0"/>
-              <a:t>Current Work </a:t>
-            </a:r>
-          </a:p>
-        </p:txBody>
-      </p:sp>
-      <p:sp>
-        <p:nvSpPr>
-          <p:cNvPr id="3" name="Content Placeholder 2"/>
-          <p:cNvSpPr>
-            <a:spLocks noGrp="1"/>
-          </p:cNvSpPr>
+              <a:rPr lang="en-US" dirty="0" smtClean="0"/>
+              <a:t>Implementation Example</a:t>
+            </a:r>
+            <a:endParaRPr lang="en-US" dirty="0"/>
+          </a:p>
+        </p:txBody>
+      </p:sp>
+      <p:pic>
+        <p:nvPicPr>
+          <p:cNvPr id="5" name="Content Placeholder 4"/>
+          <p:cNvPicPr>
+            <a:picLocks noGrp="1" noChangeAspect="1"/>
+          </p:cNvPicPr>
           <p:nvPr>
             <p:ph idx="1"/>
           </p:nvPr>
-        </p:nvSpPr>
+        </p:nvPicPr>
+        <p:blipFill rotWithShape="1">
+          <a:blip r:embed="rId2"/>
+          <a:srcRect l="360" r="4771"/>
+          <a:stretch/>
+        </p:blipFill>
         <p:spPr>
           <a:xfrm>
-            <a:off x="457200" y="1631576"/>
-            <a:ext cx="7812741" cy="3886200"/>
+            <a:off x="279400" y="1686565"/>
+            <a:ext cx="8585200" cy="2644135"/>
           </a:xfrm>
-        </p:spPr>
-        <p:txBody>
-          <a:bodyPr/>
-          <a:lstStyle/>
-          <a:p>
-            <a:r>
-              <a:rPr lang="en-US" dirty="0"/>
-              <a:t>ABS Acceleration Data, New Filtering Method Developed (Should I??????)</a:t>
-            </a:r>
-          </a:p>
-          <a:p>
-            <a:r>
-              <a:rPr lang="en-US" dirty="0" smtClean="0"/>
-              <a:t>Road Profile Filtering/Smoothing</a:t>
-            </a:r>
-          </a:p>
-          <a:p>
-            <a:pPr lvl="1"/>
-            <a:r>
-              <a:rPr lang="en-US" dirty="0" smtClean="0"/>
-              <a:t>Data can come from multiple source</a:t>
-            </a:r>
-          </a:p>
-          <a:p>
-            <a:pPr lvl="2"/>
-            <a:r>
-              <a:rPr lang="en-US" dirty="0" smtClean="0"/>
-              <a:t>Satellite scans, GPS, </a:t>
-            </a:r>
-            <a:r>
-              <a:rPr lang="en-US" dirty="0" smtClean="0"/>
-              <a:t>lidar scans</a:t>
-            </a:r>
-            <a:endParaRPr lang="en-US" dirty="0" smtClean="0"/>
-          </a:p>
-          <a:p>
-            <a:r>
-              <a:rPr lang="en-US" dirty="0" smtClean="0"/>
-              <a:t>Optimization </a:t>
-            </a:r>
-            <a:r>
-              <a:rPr lang="en-US" dirty="0"/>
-              <a:t>Method for Road Profile</a:t>
-            </a:r>
-          </a:p>
-          <a:p>
-            <a:pPr lvl="1"/>
-            <a:r>
-              <a:rPr lang="en-US" dirty="0"/>
-              <a:t>Selection of the best trajectory dependent on certain parameters</a:t>
-            </a:r>
-          </a:p>
-          <a:p>
-            <a:pPr lvl="2"/>
-            <a:r>
-              <a:rPr lang="en-US" dirty="0"/>
-              <a:t>Current Velocity, Vehicle dimensions, Street Guidelines. </a:t>
-            </a:r>
-          </a:p>
-        </p:txBody>
-      </p:sp>
+          <a:prstGeom prst="rect">
+            <a:avLst/>
+          </a:prstGeom>
+        </p:spPr>
+      </p:pic>
       <p:sp>
         <p:nvSpPr>
           <p:cNvPr id="4" name="Slide Number Placeholder 3"/>
@@ -6859,10 +7071,74 @@
           </a:p>
         </p:txBody>
       </p:sp>
+      <p:cxnSp>
+        <p:nvCxnSpPr>
+          <p:cNvPr id="11" name="Straight Arrow Connector 10"/>
+          <p:cNvCxnSpPr/>
+          <p:nvPr/>
+        </p:nvCxnSpPr>
+        <p:spPr bwMode="auto">
+          <a:xfrm flipV="1">
+            <a:off x="2673752" y="4132162"/>
+            <a:ext cx="462987" cy="651719"/>
+          </a:xfrm>
+          <a:prstGeom prst="straightConnector1">
+            <a:avLst/>
+          </a:prstGeom>
+          <a:solidFill>
+            <a:schemeClr val="accent1"/>
+          </a:solidFill>
+          <a:ln w="76200" cap="flat" cmpd="sng" algn="ctr">
+            <a:solidFill>
+              <a:schemeClr val="tx1"/>
+            </a:solidFill>
+            <a:prstDash val="solid"/>
+            <a:round/>
+            <a:headEnd type="none" w="med" len="med"/>
+            <a:tailEnd type="triangle"/>
+          </a:ln>
+          <a:effectLst/>
+        </p:spPr>
+      </p:cxnSp>
+      <p:sp>
+        <p:nvSpPr>
+          <p:cNvPr id="15" name="TextBox 14"/>
+          <p:cNvSpPr txBox="1"/>
+          <p:nvPr/>
+        </p:nvSpPr>
+        <p:spPr>
+          <a:xfrm>
+            <a:off x="736118" y="4783881"/>
+            <a:ext cx="6071082" cy="1477328"/>
+          </a:xfrm>
+          <a:prstGeom prst="rect">
+            <a:avLst/>
+          </a:prstGeom>
+          <a:noFill/>
+          <a:ln>
+            <a:solidFill>
+              <a:schemeClr val="tx1"/>
+            </a:solidFill>
+          </a:ln>
+        </p:spPr>
+        <p:txBody>
+          <a:bodyPr wrap="square" rtlCol="0">
+            <a:spAutoFit/>
+          </a:bodyPr>
+          <a:lstStyle/>
+          <a:p>
+            <a:r>
+              <a:rPr lang="en-US" dirty="0" smtClean="0"/>
+              <a:t>This zone has conflict agreements in between the sensors and the vehicle Electronic Central Unit (i.e. steer or keep straight). Furthermore, weather factors such as rain, sand, or snow can increase the uncertainty of the vehicle to make decisions. </a:t>
+            </a:r>
+            <a:endParaRPr lang="en-US" dirty="0"/>
+          </a:p>
+        </p:txBody>
+      </p:sp>
     </p:spTree>
     <p:extLst>
       <p:ext uri="{BB962C8B-B14F-4D97-AF65-F5344CB8AC3E}">
-        <p14:creationId xmlns:p14="http://schemas.microsoft.com/office/powerpoint/2010/main" val="2364432266"/>
+        <p14:creationId xmlns:p14="http://schemas.microsoft.com/office/powerpoint/2010/main" val="1002280522"/>
       </p:ext>
     </p:extLst>
   </p:cSld>
@@ -6905,14 +7181,9 @@
           <a:lstStyle/>
           <a:p>
             <a:r>
-              <a:rPr lang="en-US" dirty="0" smtClean="0"/>
-              <a:t>Termination </a:t>
-            </a:r>
-            <a:r>
-              <a:rPr lang="en-US" dirty="0" smtClean="0"/>
-              <a:t>Goal</a:t>
-            </a:r>
-            <a:endParaRPr lang="en-US" dirty="0"/>
+              <a:rPr lang="en-US" dirty="0"/>
+              <a:t>Current Work </a:t>
+            </a:r>
           </a:p>
         </p:txBody>
       </p:sp>
@@ -6928,8 +7199,8 @@
         </p:nvSpPr>
         <p:spPr>
           <a:xfrm>
-            <a:off x="457200" y="1564341"/>
-            <a:ext cx="8229600" cy="3886200"/>
+            <a:off x="457200" y="1631576"/>
+            <a:ext cx="7812741" cy="3886200"/>
           </a:xfrm>
         </p:spPr>
         <p:txBody>
@@ -6938,36 +7209,51 @@
           <a:p>
             <a:r>
               <a:rPr lang="en-US" dirty="0"/>
-              <a:t>A complete method to generate road </a:t>
-            </a:r>
+              <a:t>ABS Acceleration Data, New Filtering Method Developed (Should I??????)</a:t>
+            </a:r>
+          </a:p>
+          <a:p>
             <a:r>
               <a:rPr lang="en-US" dirty="0" smtClean="0"/>
-              <a:t>profiles with the following characteristics:</a:t>
+              <a:t>Road Profile Filtering/Smoothing</a:t>
             </a:r>
           </a:p>
           <a:p>
             <a:pPr lvl="1"/>
             <a:r>
               <a:rPr lang="en-US" dirty="0" smtClean="0"/>
-              <a:t>Independent of data sources</a:t>
+              <a:t>Data can come from multiple source</a:t>
+            </a:r>
+          </a:p>
+          <a:p>
+            <a:pPr lvl="2"/>
+            <a:r>
+              <a:rPr lang="en-US" dirty="0" smtClean="0"/>
+              <a:t>Satellite scans, GPS, lidar scans</a:t>
+            </a:r>
+          </a:p>
+          <a:p>
+            <a:r>
+              <a:rPr lang="en-US" dirty="0" smtClean="0"/>
+              <a:t>Optimization </a:t>
+            </a:r>
+            <a:r>
+              <a:rPr lang="en-US" dirty="0"/>
+              <a:t>Method for Road Profile</a:t>
             </a:r>
           </a:p>
           <a:p>
             <a:pPr lvl="1"/>
             <a:r>
-              <a:rPr lang="en-US" dirty="0" smtClean="0"/>
-              <a:t>Independent of most vehicle types</a:t>
+              <a:rPr lang="en-US" dirty="0"/>
+              <a:t>Selection of the best trajectory dependent on certain parameters</a:t>
             </a:r>
           </a:p>
           <a:p>
             <a:pPr lvl="2"/>
             <a:r>
-              <a:rPr lang="en-US" dirty="0" smtClean="0"/>
-              <a:t>Some vehicles are not considered, for example </a:t>
-            </a:r>
-            <a:r>
-              <a:rPr lang="en-US" dirty="0" smtClean="0"/>
-              <a:t>Cargo Trucks, or Double Semi Trucks</a:t>
+              <a:rPr lang="en-US" dirty="0"/>
+              <a:t>Current Velocity, Vehicle dimensions, Street Guidelines. </a:t>
             </a:r>
           </a:p>
         </p:txBody>
@@ -7004,7 +7290,7 @@
     </p:spTree>
     <p:extLst>
       <p:ext uri="{BB962C8B-B14F-4D97-AF65-F5344CB8AC3E}">
-        <p14:creationId xmlns:p14="http://schemas.microsoft.com/office/powerpoint/2010/main" val="3361069170"/>
+        <p14:creationId xmlns:p14="http://schemas.microsoft.com/office/powerpoint/2010/main" val="2364432266"/>
       </p:ext>
     </p:extLst>
   </p:cSld>
@@ -7015,7 +7301,7 @@
 </file>
 
 <file path=ppt/slides/slide8.xml><?xml version="1.0" encoding="utf-8"?>
-<p:sld xmlns:a="http://schemas.openxmlformats.org/drawingml/2006/main" xmlns:r="http://schemas.openxmlformats.org/officeDocument/2006/relationships" xmlns:p="http://schemas.openxmlformats.org/presentationml/2006/main" show="0">
+<p:sld xmlns:a="http://schemas.openxmlformats.org/drawingml/2006/main" xmlns:r="http://schemas.openxmlformats.org/officeDocument/2006/relationships" xmlns:p="http://schemas.openxmlformats.org/presentationml/2006/main">
   <p:cSld>
     <p:spTree>
       <p:nvGrpSpPr>
@@ -7048,37 +7334,64 @@
           <a:p>
             <a:r>
               <a:rPr lang="en-US" dirty="0" smtClean="0"/>
-              <a:t>Program of Studies</a:t>
+              <a:t>Termination Goal</a:t>
             </a:r>
             <a:endParaRPr lang="en-US" dirty="0"/>
           </a:p>
         </p:txBody>
       </p:sp>
-      <p:pic>
-        <p:nvPicPr>
-          <p:cNvPr id="5" name="Content Placeholder 4"/>
-          <p:cNvPicPr>
-            <a:picLocks noGrp="1" noChangeAspect="1"/>
-          </p:cNvPicPr>
+      <p:sp>
+        <p:nvSpPr>
+          <p:cNvPr id="3" name="Content Placeholder 2"/>
+          <p:cNvSpPr>
+            <a:spLocks noGrp="1"/>
+          </p:cNvSpPr>
           <p:nvPr>
             <p:ph idx="1"/>
           </p:nvPr>
-        </p:nvPicPr>
-        <p:blipFill rotWithShape="1">
-          <a:blip r:embed="rId2"/>
-          <a:srcRect l="15890" b="13431"/>
-          <a:stretch/>
-        </p:blipFill>
+        </p:nvSpPr>
         <p:spPr>
           <a:xfrm>
-            <a:off x="1990166" y="1400175"/>
-            <a:ext cx="4948516" cy="4759699"/>
+            <a:off x="457200" y="1564341"/>
+            <a:ext cx="8229600" cy="3886200"/>
           </a:xfrm>
-          <a:prstGeom prst="rect">
-            <a:avLst/>
-          </a:prstGeom>
-        </p:spPr>
-      </p:pic>
+        </p:spPr>
+        <p:txBody>
+          <a:bodyPr/>
+          <a:lstStyle/>
+          <a:p>
+            <a:r>
+              <a:rPr lang="en-US" dirty="0"/>
+              <a:t>A complete method to generate road </a:t>
+            </a:r>
+            <a:r>
+              <a:rPr lang="en-US" dirty="0" smtClean="0"/>
+              <a:t>profiles with the following characteristics:</a:t>
+            </a:r>
+          </a:p>
+          <a:p>
+            <a:pPr lvl="1"/>
+            <a:r>
+              <a:rPr lang="en-US" dirty="0" smtClean="0"/>
+              <a:t>Independent of data sources</a:t>
+            </a:r>
+          </a:p>
+          <a:p>
+            <a:pPr lvl="1"/>
+            <a:r>
+              <a:rPr lang="en-US" dirty="0" smtClean="0"/>
+              <a:t>Independent of most vehicle types</a:t>
+            </a:r>
+          </a:p>
+          <a:p>
+            <a:pPr lvl="2"/>
+            <a:r>
+              <a:rPr lang="en-US" dirty="0" smtClean="0"/>
+              <a:t>Some vehicles are not considered, for example Cargo Trucks, or Double Semi Trucks</a:t>
+            </a:r>
+          </a:p>
+        </p:txBody>
+      </p:sp>
       <p:sp>
         <p:nvSpPr>
           <p:cNvPr id="4" name="Slide Number Placeholder 3"/>
@@ -7111,21 +7424,13 @@
     </p:spTree>
     <p:extLst>
       <p:ext uri="{BB962C8B-B14F-4D97-AF65-F5344CB8AC3E}">
-        <p14:creationId xmlns:p14="http://schemas.microsoft.com/office/powerpoint/2010/main" val="4009309414"/>
+        <p14:creationId xmlns:p14="http://schemas.microsoft.com/office/powerpoint/2010/main" val="3361069170"/>
       </p:ext>
     </p:extLst>
   </p:cSld>
   <p:clrMapOvr>
     <a:masterClrMapping/>
   </p:clrMapOvr>
-  <mc:AlternateContent xmlns:mc="http://schemas.openxmlformats.org/markup-compatibility/2006">
-    <mc:Choice xmlns:p14="http://schemas.microsoft.com/office/powerpoint/2010/main" Requires="p14">
-      <p:transition spd="slow" p14:dur="2000"/>
-    </mc:Choice>
-    <mc:Fallback>
-      <p:transition spd="slow"/>
-    </mc:Fallback>
-  </mc:AlternateContent>
 </p:sld>
 </file>
 
@@ -7162,12 +7467,38 @@
           <a:lstStyle/>
           <a:p>
             <a:r>
-              <a:rPr lang="en-US" dirty="0"/>
+              <a:rPr lang="en-US" dirty="0" smtClean="0"/>
               <a:t>Program of Studies</a:t>
             </a:r>
-          </a:p>
-        </p:txBody>
-      </p:sp>
+            <a:endParaRPr lang="en-US" dirty="0"/>
+          </a:p>
+        </p:txBody>
+      </p:sp>
+      <p:pic>
+        <p:nvPicPr>
+          <p:cNvPr id="5" name="Content Placeholder 4"/>
+          <p:cNvPicPr>
+            <a:picLocks noGrp="1" noChangeAspect="1"/>
+          </p:cNvPicPr>
+          <p:nvPr>
+            <p:ph idx="1"/>
+          </p:nvPr>
+        </p:nvPicPr>
+        <p:blipFill rotWithShape="1">
+          <a:blip r:embed="rId2"/>
+          <a:srcRect l="15890" b="13431"/>
+          <a:stretch/>
+        </p:blipFill>
+        <p:spPr>
+          <a:xfrm>
+            <a:off x="1990166" y="1400175"/>
+            <a:ext cx="4948516" cy="4759699"/>
+          </a:xfrm>
+          <a:prstGeom prst="rect">
+            <a:avLst/>
+          </a:prstGeom>
+        </p:spPr>
+      </p:pic>
       <p:sp>
         <p:nvSpPr>
           <p:cNvPr id="4" name="Slide Number Placeholder 3"/>
@@ -7197,47 +7528,21 @@
           </a:p>
         </p:txBody>
       </p:sp>
-      <p:pic>
-        <p:nvPicPr>
-          <p:cNvPr id="8" name="Content Placeholder 7"/>
-          <p:cNvPicPr>
-            <a:picLocks noGrp="1" noChangeAspect="1"/>
-          </p:cNvPicPr>
-          <p:nvPr>
-            <p:ph idx="1"/>
-          </p:nvPr>
-        </p:nvPicPr>
-        <p:blipFill>
-          <a:blip r:embed="rId2"/>
-          <a:stretch>
-            <a:fillRect/>
-          </a:stretch>
-        </p:blipFill>
-        <p:spPr>
-          <a:xfrm>
-            <a:off x="887785" y="2342309"/>
-            <a:ext cx="7173226" cy="2471738"/>
-          </a:xfrm>
-          <a:prstGeom prst="rect">
-            <a:avLst/>
-          </a:prstGeom>
-        </p:spPr>
-      </p:pic>
     </p:spTree>
     <p:extLst>
       <p:ext uri="{BB962C8B-B14F-4D97-AF65-F5344CB8AC3E}">
-        <p14:creationId xmlns:p14="http://schemas.microsoft.com/office/powerpoint/2010/main" val="2683820966"/>
+        <p14:creationId xmlns:p14="http://schemas.microsoft.com/office/powerpoint/2010/main" val="4009309414"/>
       </p:ext>
     </p:extLst>
   </p:cSld>
   <p:clrMapOvr>
     <a:masterClrMapping/>
   </p:clrMapOvr>
-  <mc:AlternateContent xmlns:mc="http://schemas.openxmlformats.org/markup-compatibility/2006">
-    <mc:Choice xmlns:p14="http://schemas.microsoft.com/office/powerpoint/2010/main" Requires="p14">
+  <mc:AlternateContent xmlns:mc="http://schemas.openxmlformats.org/markup-compatibility/2006" xmlns:p14="http://schemas.microsoft.com/office/powerpoint/2010/main">
+    <mc:Choice Requires="p14">
       <p:transition spd="slow" p14:dur="2000"/>
     </mc:Choice>
-    <mc:Fallback>
+    <mc:Fallback xmlns="">
       <p:transition spd="slow"/>
     </mc:Fallback>
   </mc:AlternateContent>
